--- a/S3 - Rails Application.pptx
+++ b/S3 - Rails Application.pptx
@@ -2785,7 +2785,7 @@
           <a:p>
             <a:fld id="{8569B522-8390-453B-A8F0-3C96BAC841F8}" type="datetimeFigureOut">
               <a:rPr lang="en-US" smtClean="0"/>
-              <a:t>5/4/2015</a:t>
+              <a:t>5/6/2015</a:t>
             </a:fld>
             <a:endParaRPr lang="en-US" dirty="0"/>
           </a:p>
@@ -3113,13 +3113,60 @@
           </a:bodyPr>
           <a:lstStyle/>
           <a:p>
-            <a:pPr marL="285750" indent="-285750">
+            <a:pPr marL="0" indent="0">
               <a:spcBef>
                 <a:spcPct val="0"/>
               </a:spcBef>
               <a:buFont typeface="Wingdings"/>
-              <a:buChar char="Ø"/>
+              <a:buNone/>
             </a:pPr>
+            <a:r>
+              <a:rPr lang="en-US" sz="1600" dirty="0" smtClean="0"/>
+              <a:t>-- not too complex, but more to do than</a:t>
+            </a:r>
+            <a:r>
+              <a:rPr lang="en-US" sz="1600" baseline="0" dirty="0" smtClean="0"/>
+              <a:t> building a Ruby application </a:t>
+            </a:r>
+          </a:p>
+          <a:p>
+            <a:pPr marL="0" indent="0">
+              <a:spcBef>
+                <a:spcPct val="0"/>
+              </a:spcBef>
+              <a:buFont typeface="Wingdings"/>
+              <a:buNone/>
+            </a:pPr>
+            <a:r>
+              <a:rPr lang="en-US" sz="1600" baseline="0" dirty="0" smtClean="0"/>
+              <a:t>-- Rails is a web application development platform</a:t>
+            </a:r>
+          </a:p>
+          <a:p>
+            <a:pPr marL="0" indent="0">
+              <a:spcBef>
+                <a:spcPct val="0"/>
+              </a:spcBef>
+              <a:buFont typeface="Wingdings"/>
+              <a:buNone/>
+            </a:pPr>
+            <a:r>
+              <a:rPr lang="en-US" sz="1600" baseline="0" dirty="0" smtClean="0"/>
+              <a:t>-- tries to make programming web applications simpler by making many assumptions about what the developer needs to get done</a:t>
+            </a:r>
+          </a:p>
+          <a:p>
+            <a:pPr marL="0" indent="0">
+              <a:spcBef>
+                <a:spcPct val="0"/>
+              </a:spcBef>
+              <a:buFont typeface="Wingdings"/>
+              <a:buNone/>
+            </a:pPr>
+            <a:r>
+              <a:rPr lang="en-US" sz="1600" baseline="0" dirty="0" smtClean="0"/>
+              <a:t>-- that can also drive you nuts! </a:t>
+            </a:r>
             <a:endParaRPr lang="en-US" sz="1600" dirty="0" smtClean="0"/>
           </a:p>
         </p:txBody>
@@ -3176,6 +3223,714 @@
 </file>
 
 <file path=ppt/notesSlides/notesSlide2.xml><?xml version="1.0" encoding="utf-8"?>
+<p:notes xmlns:a="http://schemas.openxmlformats.org/drawingml/2006/main" xmlns:r="http://schemas.openxmlformats.org/officeDocument/2006/relationships" xmlns:p="http://schemas.openxmlformats.org/presentationml/2006/main">
+  <p:cSld>
+    <p:spTree>
+      <p:nvGrpSpPr>
+        <p:cNvPr id="1" name=""/>
+        <p:cNvGrpSpPr/>
+        <p:nvPr/>
+      </p:nvGrpSpPr>
+      <p:grpSpPr>
+        <a:xfrm>
+          <a:off x="0" y="0"/>
+          <a:ext cx="0" cy="0"/>
+          <a:chOff x="0" y="0"/>
+          <a:chExt cx="0" cy="0"/>
+        </a:xfrm>
+      </p:grpSpPr>
+      <p:sp>
+        <p:nvSpPr>
+          <p:cNvPr id="2" name="Slide Image Placeholder 1"/>
+          <p:cNvSpPr>
+            <a:spLocks noGrp="1" noRot="1" noChangeAspect="1"/>
+          </p:cNvSpPr>
+          <p:nvPr>
+            <p:ph type="sldImg"/>
+          </p:nvPr>
+        </p:nvSpPr>
+        <p:spPr/>
+      </p:sp>
+      <p:sp>
+        <p:nvSpPr>
+          <p:cNvPr id="3" name="Notes Placeholder 2"/>
+          <p:cNvSpPr>
+            <a:spLocks noGrp="1"/>
+          </p:cNvSpPr>
+          <p:nvPr>
+            <p:ph type="body" idx="1"/>
+          </p:nvPr>
+        </p:nvSpPr>
+        <p:spPr/>
+        <p:txBody>
+          <a:bodyPr/>
+          <a:lstStyle/>
+          <a:p>
+            <a:r>
+              <a:rPr lang="en-US" dirty="0" smtClean="0"/>
+              <a:t>--</a:t>
+            </a:r>
+            <a:r>
+              <a:rPr lang="en-US" baseline="0" dirty="0" smtClean="0"/>
+              <a:t> </a:t>
+            </a:r>
+            <a:r>
+              <a:rPr lang="en-US" baseline="0" dirty="0" err="1" smtClean="0"/>
+              <a:t>Rails.application.routes.draw</a:t>
+            </a:r>
+            <a:r>
+              <a:rPr lang="en-US" baseline="0" dirty="0" smtClean="0"/>
+              <a:t> tells Rails to build a route map of accepted routes.</a:t>
+            </a:r>
+          </a:p>
+          <a:p>
+            <a:r>
+              <a:rPr lang="en-US" baseline="0" dirty="0" smtClean="0"/>
+              <a:t>-- the get was added by Rails when we generated the ‘index’ page.</a:t>
+            </a:r>
+            <a:endParaRPr lang="en-US" dirty="0"/>
+          </a:p>
+        </p:txBody>
+      </p:sp>
+      <p:sp>
+        <p:nvSpPr>
+          <p:cNvPr id="4" name="Slide Number Placeholder 3"/>
+          <p:cNvSpPr>
+            <a:spLocks noGrp="1"/>
+          </p:cNvSpPr>
+          <p:nvPr>
+            <p:ph type="sldNum" sz="quarter" idx="10"/>
+          </p:nvPr>
+        </p:nvSpPr>
+        <p:spPr/>
+        <p:txBody>
+          <a:bodyPr/>
+          <a:lstStyle/>
+          <a:p>
+            <a:fld id="{86E298D3-FAEC-4429-BBB2-6E24FE792F56}" type="slidenum">
+              <a:rPr lang="en-US" smtClean="0"/>
+              <a:t>4</a:t>
+            </a:fld>
+            <a:endParaRPr lang="en-US" dirty="0"/>
+          </a:p>
+        </p:txBody>
+      </p:sp>
+    </p:spTree>
+    <p:extLst>
+      <p:ext uri="{BB962C8B-B14F-4D97-AF65-F5344CB8AC3E}">
+        <p14:creationId xmlns:p14="http://schemas.microsoft.com/office/powerpoint/2010/main" val="2137624712"/>
+      </p:ext>
+    </p:extLst>
+  </p:cSld>
+  <p:clrMapOvr>
+    <a:masterClrMapping/>
+  </p:clrMapOvr>
+</p:notes>
+</file>
+
+<file path=ppt/notesSlides/notesSlide3.xml><?xml version="1.0" encoding="utf-8"?>
+<p:notes xmlns:a="http://schemas.openxmlformats.org/drawingml/2006/main" xmlns:r="http://schemas.openxmlformats.org/officeDocument/2006/relationships" xmlns:p="http://schemas.openxmlformats.org/presentationml/2006/main">
+  <p:cSld>
+    <p:spTree>
+      <p:nvGrpSpPr>
+        <p:cNvPr id="1" name=""/>
+        <p:cNvGrpSpPr/>
+        <p:nvPr/>
+      </p:nvGrpSpPr>
+      <p:grpSpPr>
+        <a:xfrm>
+          <a:off x="0" y="0"/>
+          <a:ext cx="0" cy="0"/>
+          <a:chOff x="0" y="0"/>
+          <a:chExt cx="0" cy="0"/>
+        </a:xfrm>
+      </p:grpSpPr>
+      <p:sp>
+        <p:nvSpPr>
+          <p:cNvPr id="2" name="Slide Image Placeholder 1"/>
+          <p:cNvSpPr>
+            <a:spLocks noGrp="1" noRot="1" noChangeAspect="1"/>
+          </p:cNvSpPr>
+          <p:nvPr>
+            <p:ph type="sldImg"/>
+          </p:nvPr>
+        </p:nvSpPr>
+        <p:spPr/>
+      </p:sp>
+      <p:sp>
+        <p:nvSpPr>
+          <p:cNvPr id="3" name="Notes Placeholder 2"/>
+          <p:cNvSpPr>
+            <a:spLocks noGrp="1"/>
+          </p:cNvSpPr>
+          <p:nvPr>
+            <p:ph type="body" idx="1"/>
+          </p:nvPr>
+        </p:nvSpPr>
+        <p:spPr/>
+        <p:txBody>
+          <a:bodyPr/>
+          <a:lstStyle/>
+          <a:p>
+            <a:r>
+              <a:rPr lang="en-US" dirty="0" smtClean="0"/>
+              <a:t>-- building a HTML form</a:t>
+            </a:r>
+          </a:p>
+          <a:p>
+            <a:r>
+              <a:rPr lang="en-US" dirty="0" smtClean="0"/>
+              <a:t>-- clicking the submit button will POST the contents of the form to ‘/translate/’ </a:t>
+            </a:r>
+            <a:endParaRPr lang="en-US" dirty="0"/>
+          </a:p>
+        </p:txBody>
+      </p:sp>
+      <p:sp>
+        <p:nvSpPr>
+          <p:cNvPr id="4" name="Slide Number Placeholder 3"/>
+          <p:cNvSpPr>
+            <a:spLocks noGrp="1"/>
+          </p:cNvSpPr>
+          <p:nvPr>
+            <p:ph type="sldNum" sz="quarter" idx="10"/>
+          </p:nvPr>
+        </p:nvSpPr>
+        <p:spPr/>
+        <p:txBody>
+          <a:bodyPr/>
+          <a:lstStyle/>
+          <a:p>
+            <a:fld id="{86E298D3-FAEC-4429-BBB2-6E24FE792F56}" type="slidenum">
+              <a:rPr lang="en-US" smtClean="0"/>
+              <a:t>7</a:t>
+            </a:fld>
+            <a:endParaRPr lang="en-US" dirty="0"/>
+          </a:p>
+        </p:txBody>
+      </p:sp>
+    </p:spTree>
+    <p:extLst>
+      <p:ext uri="{BB962C8B-B14F-4D97-AF65-F5344CB8AC3E}">
+        <p14:creationId xmlns:p14="http://schemas.microsoft.com/office/powerpoint/2010/main" val="2184523302"/>
+      </p:ext>
+    </p:extLst>
+  </p:cSld>
+  <p:clrMapOvr>
+    <a:masterClrMapping/>
+  </p:clrMapOvr>
+</p:notes>
+</file>
+
+<file path=ppt/notesSlides/notesSlide4.xml><?xml version="1.0" encoding="utf-8"?>
+<p:notes xmlns:a="http://schemas.openxmlformats.org/drawingml/2006/main" xmlns:r="http://schemas.openxmlformats.org/officeDocument/2006/relationships" xmlns:p="http://schemas.openxmlformats.org/presentationml/2006/main">
+  <p:cSld>
+    <p:spTree>
+      <p:nvGrpSpPr>
+        <p:cNvPr id="1" name=""/>
+        <p:cNvGrpSpPr/>
+        <p:nvPr/>
+      </p:nvGrpSpPr>
+      <p:grpSpPr>
+        <a:xfrm>
+          <a:off x="0" y="0"/>
+          <a:ext cx="0" cy="0"/>
+          <a:chOff x="0" y="0"/>
+          <a:chExt cx="0" cy="0"/>
+        </a:xfrm>
+      </p:grpSpPr>
+      <p:sp>
+        <p:nvSpPr>
+          <p:cNvPr id="2" name="Slide Image Placeholder 1"/>
+          <p:cNvSpPr>
+            <a:spLocks noGrp="1" noRot="1" noChangeAspect="1"/>
+          </p:cNvSpPr>
+          <p:nvPr>
+            <p:ph type="sldImg"/>
+          </p:nvPr>
+        </p:nvSpPr>
+        <p:spPr/>
+      </p:sp>
+      <p:sp>
+        <p:nvSpPr>
+          <p:cNvPr id="3" name="Notes Placeholder 2"/>
+          <p:cNvSpPr>
+            <a:spLocks noGrp="1"/>
+          </p:cNvSpPr>
+          <p:nvPr>
+            <p:ph type="body" idx="1"/>
+          </p:nvPr>
+        </p:nvSpPr>
+        <p:spPr/>
+        <p:txBody>
+          <a:bodyPr/>
+          <a:lstStyle/>
+          <a:p>
+            <a:r>
+              <a:rPr lang="en-US" dirty="0" smtClean="0"/>
+              <a:t>-- notice</a:t>
+            </a:r>
+            <a:r>
+              <a:rPr lang="en-US" baseline="0" dirty="0" smtClean="0"/>
+              <a:t> in the Routes map there is no </a:t>
+            </a:r>
+          </a:p>
+          <a:p>
+            <a:r>
+              <a:rPr lang="en-US" baseline="0" dirty="0" smtClean="0"/>
+              <a:t>---- POST /translate/ </a:t>
+            </a:r>
+            <a:endParaRPr lang="en-US" dirty="0"/>
+          </a:p>
+        </p:txBody>
+      </p:sp>
+      <p:sp>
+        <p:nvSpPr>
+          <p:cNvPr id="4" name="Slide Number Placeholder 3"/>
+          <p:cNvSpPr>
+            <a:spLocks noGrp="1"/>
+          </p:cNvSpPr>
+          <p:nvPr>
+            <p:ph type="sldNum" sz="quarter" idx="10"/>
+          </p:nvPr>
+        </p:nvSpPr>
+        <p:spPr/>
+        <p:txBody>
+          <a:bodyPr/>
+          <a:lstStyle/>
+          <a:p>
+            <a:fld id="{86E298D3-FAEC-4429-BBB2-6E24FE792F56}" type="slidenum">
+              <a:rPr lang="en-US" smtClean="0"/>
+              <a:t>9</a:t>
+            </a:fld>
+            <a:endParaRPr lang="en-US" dirty="0"/>
+          </a:p>
+        </p:txBody>
+      </p:sp>
+    </p:spTree>
+    <p:extLst>
+      <p:ext uri="{BB962C8B-B14F-4D97-AF65-F5344CB8AC3E}">
+        <p14:creationId xmlns:p14="http://schemas.microsoft.com/office/powerpoint/2010/main" val="2695897964"/>
+      </p:ext>
+    </p:extLst>
+  </p:cSld>
+  <p:clrMapOvr>
+    <a:masterClrMapping/>
+  </p:clrMapOvr>
+</p:notes>
+</file>
+
+<file path=ppt/notesSlides/notesSlide5.xml><?xml version="1.0" encoding="utf-8"?>
+<p:notes xmlns:a="http://schemas.openxmlformats.org/drawingml/2006/main" xmlns:r="http://schemas.openxmlformats.org/officeDocument/2006/relationships" xmlns:p="http://schemas.openxmlformats.org/presentationml/2006/main">
+  <p:cSld>
+    <p:spTree>
+      <p:nvGrpSpPr>
+        <p:cNvPr id="1" name=""/>
+        <p:cNvGrpSpPr/>
+        <p:nvPr/>
+      </p:nvGrpSpPr>
+      <p:grpSpPr>
+        <a:xfrm>
+          <a:off x="0" y="0"/>
+          <a:ext cx="0" cy="0"/>
+          <a:chOff x="0" y="0"/>
+          <a:chExt cx="0" cy="0"/>
+        </a:xfrm>
+      </p:grpSpPr>
+      <p:sp>
+        <p:nvSpPr>
+          <p:cNvPr id="2" name="Slide Image Placeholder 1"/>
+          <p:cNvSpPr>
+            <a:spLocks noGrp="1" noRot="1" noChangeAspect="1"/>
+          </p:cNvSpPr>
+          <p:nvPr>
+            <p:ph type="sldImg"/>
+          </p:nvPr>
+        </p:nvSpPr>
+        <p:spPr/>
+      </p:sp>
+      <p:sp>
+        <p:nvSpPr>
+          <p:cNvPr id="3" name="Notes Placeholder 2"/>
+          <p:cNvSpPr>
+            <a:spLocks noGrp="1"/>
+          </p:cNvSpPr>
+          <p:nvPr>
+            <p:ph type="body" idx="1"/>
+          </p:nvPr>
+        </p:nvSpPr>
+        <p:spPr/>
+        <p:txBody>
+          <a:bodyPr/>
+          <a:lstStyle/>
+          <a:p>
+            <a:endParaRPr lang="en-US" dirty="0"/>
+          </a:p>
+        </p:txBody>
+      </p:sp>
+      <p:sp>
+        <p:nvSpPr>
+          <p:cNvPr id="4" name="Slide Number Placeholder 3"/>
+          <p:cNvSpPr>
+            <a:spLocks noGrp="1"/>
+          </p:cNvSpPr>
+          <p:nvPr>
+            <p:ph type="sldNum" sz="quarter" idx="10"/>
+          </p:nvPr>
+        </p:nvSpPr>
+        <p:spPr/>
+        <p:txBody>
+          <a:bodyPr/>
+          <a:lstStyle/>
+          <a:p>
+            <a:fld id="{86E298D3-FAEC-4429-BBB2-6E24FE792F56}" type="slidenum">
+              <a:rPr lang="en-US" smtClean="0"/>
+              <a:t>10</a:t>
+            </a:fld>
+            <a:endParaRPr lang="en-US" dirty="0"/>
+          </a:p>
+        </p:txBody>
+      </p:sp>
+    </p:spTree>
+    <p:extLst>
+      <p:ext uri="{BB962C8B-B14F-4D97-AF65-F5344CB8AC3E}">
+        <p14:creationId xmlns:p14="http://schemas.microsoft.com/office/powerpoint/2010/main" val="1780436812"/>
+      </p:ext>
+    </p:extLst>
+  </p:cSld>
+  <p:clrMapOvr>
+    <a:masterClrMapping/>
+  </p:clrMapOvr>
+</p:notes>
+</file>
+
+<file path=ppt/notesSlides/notesSlide6.xml><?xml version="1.0" encoding="utf-8"?>
+<p:notes xmlns:a="http://schemas.openxmlformats.org/drawingml/2006/main" xmlns:r="http://schemas.openxmlformats.org/officeDocument/2006/relationships" xmlns:p="http://schemas.openxmlformats.org/presentationml/2006/main">
+  <p:cSld>
+    <p:spTree>
+      <p:nvGrpSpPr>
+        <p:cNvPr id="1" name=""/>
+        <p:cNvGrpSpPr/>
+        <p:nvPr/>
+      </p:nvGrpSpPr>
+      <p:grpSpPr>
+        <a:xfrm>
+          <a:off x="0" y="0"/>
+          <a:ext cx="0" cy="0"/>
+          <a:chOff x="0" y="0"/>
+          <a:chExt cx="0" cy="0"/>
+        </a:xfrm>
+      </p:grpSpPr>
+      <p:sp>
+        <p:nvSpPr>
+          <p:cNvPr id="2" name="Slide Image Placeholder 1"/>
+          <p:cNvSpPr>
+            <a:spLocks noGrp="1" noRot="1" noChangeAspect="1"/>
+          </p:cNvSpPr>
+          <p:nvPr>
+            <p:ph type="sldImg"/>
+          </p:nvPr>
+        </p:nvSpPr>
+        <p:spPr/>
+      </p:sp>
+      <p:sp>
+        <p:nvSpPr>
+          <p:cNvPr id="3" name="Notes Placeholder 2"/>
+          <p:cNvSpPr>
+            <a:spLocks noGrp="1"/>
+          </p:cNvSpPr>
+          <p:nvPr>
+            <p:ph type="body" idx="1"/>
+          </p:nvPr>
+        </p:nvSpPr>
+        <p:spPr/>
+        <p:txBody>
+          <a:bodyPr/>
+          <a:lstStyle/>
+          <a:p>
+            <a:r>
+              <a:rPr lang="en-US" dirty="0" smtClean="0"/>
+              <a:t>-- the code to</a:t>
+            </a:r>
+            <a:r>
+              <a:rPr lang="en-US" baseline="0" dirty="0" smtClean="0"/>
+              <a:t> process the GETs is already in the file </a:t>
+            </a:r>
+          </a:p>
+          <a:p>
+            <a:r>
+              <a:rPr lang="en-US" baseline="0" dirty="0" smtClean="0"/>
+              <a:t>-- </a:t>
+            </a:r>
+            <a:r>
+              <a:rPr lang="en-US" baseline="0" dirty="0" err="1" smtClean="0"/>
+              <a:t>def</a:t>
+            </a:r>
+            <a:r>
+              <a:rPr lang="en-US" baseline="0" dirty="0" smtClean="0"/>
+              <a:t> create intercepts POSTs</a:t>
+            </a:r>
+          </a:p>
+          <a:p>
+            <a:r>
+              <a:rPr lang="en-US" baseline="0" dirty="0" smtClean="0"/>
+              <a:t>---- render inline: returns the HTML in quotes as the web page, ok for testing.</a:t>
+            </a:r>
+            <a:endParaRPr lang="en-US" dirty="0"/>
+          </a:p>
+        </p:txBody>
+      </p:sp>
+      <p:sp>
+        <p:nvSpPr>
+          <p:cNvPr id="4" name="Slide Number Placeholder 3"/>
+          <p:cNvSpPr>
+            <a:spLocks noGrp="1"/>
+          </p:cNvSpPr>
+          <p:nvPr>
+            <p:ph type="sldNum" sz="quarter" idx="10"/>
+          </p:nvPr>
+        </p:nvSpPr>
+        <p:spPr/>
+        <p:txBody>
+          <a:bodyPr/>
+          <a:lstStyle/>
+          <a:p>
+            <a:fld id="{86E298D3-FAEC-4429-BBB2-6E24FE792F56}" type="slidenum">
+              <a:rPr lang="en-US" smtClean="0"/>
+              <a:t>11</a:t>
+            </a:fld>
+            <a:endParaRPr lang="en-US" dirty="0"/>
+          </a:p>
+        </p:txBody>
+      </p:sp>
+    </p:spTree>
+    <p:extLst>
+      <p:ext uri="{BB962C8B-B14F-4D97-AF65-F5344CB8AC3E}">
+        <p14:creationId xmlns:p14="http://schemas.microsoft.com/office/powerpoint/2010/main" val="1259559974"/>
+      </p:ext>
+    </p:extLst>
+  </p:cSld>
+  <p:clrMapOvr>
+    <a:masterClrMapping/>
+  </p:clrMapOvr>
+</p:notes>
+</file>
+
+<file path=ppt/notesSlides/notesSlide7.xml><?xml version="1.0" encoding="utf-8"?>
+<p:notes xmlns:a="http://schemas.openxmlformats.org/drawingml/2006/main" xmlns:r="http://schemas.openxmlformats.org/officeDocument/2006/relationships" xmlns:p="http://schemas.openxmlformats.org/presentationml/2006/main">
+  <p:cSld>
+    <p:spTree>
+      <p:nvGrpSpPr>
+        <p:cNvPr id="1" name=""/>
+        <p:cNvGrpSpPr/>
+        <p:nvPr/>
+      </p:nvGrpSpPr>
+      <p:grpSpPr>
+        <a:xfrm>
+          <a:off x="0" y="0"/>
+          <a:ext cx="0" cy="0"/>
+          <a:chOff x="0" y="0"/>
+          <a:chExt cx="0" cy="0"/>
+        </a:xfrm>
+      </p:grpSpPr>
+      <p:sp>
+        <p:nvSpPr>
+          <p:cNvPr id="2" name="Slide Image Placeholder 1"/>
+          <p:cNvSpPr>
+            <a:spLocks noGrp="1" noRot="1" noChangeAspect="1"/>
+          </p:cNvSpPr>
+          <p:nvPr>
+            <p:ph type="sldImg"/>
+          </p:nvPr>
+        </p:nvSpPr>
+        <p:spPr/>
+      </p:sp>
+      <p:sp>
+        <p:nvSpPr>
+          <p:cNvPr id="3" name="Notes Placeholder 2"/>
+          <p:cNvSpPr>
+            <a:spLocks noGrp="1"/>
+          </p:cNvSpPr>
+          <p:nvPr>
+            <p:ph type="body" idx="1"/>
+          </p:nvPr>
+        </p:nvSpPr>
+        <p:spPr/>
+        <p:txBody>
+          <a:bodyPr/>
+          <a:lstStyle/>
+          <a:p>
+            <a:r>
+              <a:rPr lang="en-US" dirty="0" smtClean="0"/>
+              <a:t>-- ~&gt; 1.0 asks</a:t>
+            </a:r>
+            <a:r>
+              <a:rPr lang="en-US" baseline="0" dirty="0" smtClean="0"/>
+              <a:t> to load version 1.0 or higher</a:t>
+            </a:r>
+          </a:p>
+          <a:p>
+            <a:r>
+              <a:rPr lang="en-US" baseline="0" dirty="0" smtClean="0"/>
+              <a:t>-- the most recent version should load </a:t>
+            </a:r>
+          </a:p>
+          <a:p>
+            <a:r>
+              <a:rPr lang="en-US" baseline="0" dirty="0" smtClean="0"/>
+              <a:t>-- bundler is a gem installed with Rails </a:t>
+            </a:r>
+            <a:endParaRPr lang="en-US" dirty="0"/>
+          </a:p>
+        </p:txBody>
+      </p:sp>
+      <p:sp>
+        <p:nvSpPr>
+          <p:cNvPr id="4" name="Slide Number Placeholder 3"/>
+          <p:cNvSpPr>
+            <a:spLocks noGrp="1"/>
+          </p:cNvSpPr>
+          <p:nvPr>
+            <p:ph type="sldNum" sz="quarter" idx="10"/>
+          </p:nvPr>
+        </p:nvSpPr>
+        <p:spPr/>
+        <p:txBody>
+          <a:bodyPr/>
+          <a:lstStyle/>
+          <a:p>
+            <a:fld id="{86E298D3-FAEC-4429-BBB2-6E24FE792F56}" type="slidenum">
+              <a:rPr lang="en-US" smtClean="0"/>
+              <a:t>13</a:t>
+            </a:fld>
+            <a:endParaRPr lang="en-US" dirty="0"/>
+          </a:p>
+        </p:txBody>
+      </p:sp>
+    </p:spTree>
+    <p:extLst>
+      <p:ext uri="{BB962C8B-B14F-4D97-AF65-F5344CB8AC3E}">
+        <p14:creationId xmlns:p14="http://schemas.microsoft.com/office/powerpoint/2010/main" val="2479553791"/>
+      </p:ext>
+    </p:extLst>
+  </p:cSld>
+  <p:clrMapOvr>
+    <a:masterClrMapping/>
+  </p:clrMapOvr>
+</p:notes>
+</file>
+
+<file path=ppt/notesSlides/notesSlide8.xml><?xml version="1.0" encoding="utf-8"?>
+<p:notes xmlns:a="http://schemas.openxmlformats.org/drawingml/2006/main" xmlns:r="http://schemas.openxmlformats.org/officeDocument/2006/relationships" xmlns:p="http://schemas.openxmlformats.org/presentationml/2006/main">
+  <p:cSld>
+    <p:spTree>
+      <p:nvGrpSpPr>
+        <p:cNvPr id="1" name=""/>
+        <p:cNvGrpSpPr/>
+        <p:nvPr/>
+      </p:nvGrpSpPr>
+      <p:grpSpPr>
+        <a:xfrm>
+          <a:off x="0" y="0"/>
+          <a:ext cx="0" cy="0"/>
+          <a:chOff x="0" y="0"/>
+          <a:chExt cx="0" cy="0"/>
+        </a:xfrm>
+      </p:grpSpPr>
+      <p:sp>
+        <p:nvSpPr>
+          <p:cNvPr id="2" name="Slide Image Placeholder 1"/>
+          <p:cNvSpPr>
+            <a:spLocks noGrp="1" noRot="1" noChangeAspect="1"/>
+          </p:cNvSpPr>
+          <p:nvPr>
+            <p:ph type="sldImg"/>
+          </p:nvPr>
+        </p:nvSpPr>
+        <p:spPr/>
+      </p:sp>
+      <p:sp>
+        <p:nvSpPr>
+          <p:cNvPr id="3" name="Notes Placeholder 2"/>
+          <p:cNvSpPr>
+            <a:spLocks noGrp="1"/>
+          </p:cNvSpPr>
+          <p:nvPr>
+            <p:ph type="body" idx="1"/>
+          </p:nvPr>
+        </p:nvSpPr>
+        <p:spPr/>
+        <p:txBody>
+          <a:bodyPr/>
+          <a:lstStyle/>
+          <a:p>
+            <a:r>
+              <a:rPr lang="en-US" dirty="0" smtClean="0"/>
+              <a:t>-- grab the input</a:t>
+            </a:r>
+            <a:r>
+              <a:rPr lang="en-US" baseline="0" dirty="0" smtClean="0"/>
+              <a:t> file from the parameter list </a:t>
+            </a:r>
+          </a:p>
+          <a:p>
+            <a:r>
+              <a:rPr lang="en-US" baseline="0" dirty="0" smtClean="0"/>
+              <a:t>-- pass the file and other parameters to the mdTranslator gem </a:t>
+            </a:r>
+          </a:p>
+          <a:p>
+            <a:r>
+              <a:rPr lang="en-US" baseline="0" dirty="0" smtClean="0"/>
+              <a:t>-- accept the returned hash</a:t>
+            </a:r>
+          </a:p>
+          <a:p>
+            <a:r>
+              <a:rPr lang="en-US" baseline="0" dirty="0" smtClean="0"/>
+              <a:t>-- render the metadata output as XML</a:t>
+            </a:r>
+            <a:endParaRPr lang="en-US" dirty="0"/>
+          </a:p>
+        </p:txBody>
+      </p:sp>
+      <p:sp>
+        <p:nvSpPr>
+          <p:cNvPr id="4" name="Slide Number Placeholder 3"/>
+          <p:cNvSpPr>
+            <a:spLocks noGrp="1"/>
+          </p:cNvSpPr>
+          <p:nvPr>
+            <p:ph type="sldNum" sz="quarter" idx="10"/>
+          </p:nvPr>
+        </p:nvSpPr>
+        <p:spPr/>
+        <p:txBody>
+          <a:bodyPr/>
+          <a:lstStyle/>
+          <a:p>
+            <a:fld id="{86E298D3-FAEC-4429-BBB2-6E24FE792F56}" type="slidenum">
+              <a:rPr lang="en-US" smtClean="0"/>
+              <a:t>14</a:t>
+            </a:fld>
+            <a:endParaRPr lang="en-US" dirty="0"/>
+          </a:p>
+        </p:txBody>
+      </p:sp>
+    </p:spTree>
+    <p:extLst>
+      <p:ext uri="{BB962C8B-B14F-4D97-AF65-F5344CB8AC3E}">
+        <p14:creationId xmlns:p14="http://schemas.microsoft.com/office/powerpoint/2010/main" val="230640163"/>
+      </p:ext>
+    </p:extLst>
+  </p:cSld>
+  <p:clrMapOvr>
+    <a:masterClrMapping/>
+  </p:clrMapOvr>
+</p:notes>
+</file>
+
+<file path=ppt/notesSlides/notesSlide9.xml><?xml version="1.0" encoding="utf-8"?>
 <p:notes xmlns:a="http://schemas.openxmlformats.org/drawingml/2006/main" xmlns:r="http://schemas.openxmlformats.org/officeDocument/2006/relationships" xmlns:p="http://schemas.openxmlformats.org/presentationml/2006/main">
   <p:cSld>
     <p:spTree>
@@ -3464,7 +4219,7 @@
                   </a:srgbClr>
                 </a:solidFill>
               </a:rPr>
-              <a:t>5/4/2015</a:t>
+              <a:t>5/6/2015</a:t>
             </a:fld>
             <a:endParaRPr lang="en-US" dirty="0">
               <a:solidFill>
@@ -3706,7 +4461,7 @@
                   </a:srgbClr>
                 </a:solidFill>
               </a:rPr>
-              <a:t>5/4/2015</a:t>
+              <a:t>5/6/2015</a:t>
             </a:fld>
             <a:endParaRPr lang="en-US" dirty="0">
               <a:solidFill>
@@ -4005,7 +4760,7 @@
               <a:pPr>
                 <a:defRPr/>
               </a:pPr>
-              <a:t>5/4/2015</a:t>
+              <a:t>5/6/2015</a:t>
             </a:fld>
             <a:endParaRPr lang="en-US" dirty="0">
               <a:solidFill>
@@ -4227,7 +4982,7 @@
               <a:pPr>
                 <a:defRPr/>
               </a:pPr>
-              <a:t>5/4/2015</a:t>
+              <a:t>5/6/2015</a:t>
             </a:fld>
             <a:endParaRPr lang="en-US" dirty="0">
               <a:solidFill>
@@ -4519,7 +5274,7 @@
               <a:pPr>
                 <a:defRPr/>
               </a:pPr>
-              <a:t>5/4/2015</a:t>
+              <a:t>5/6/2015</a:t>
             </a:fld>
             <a:endParaRPr lang="en-US" dirty="0">
               <a:solidFill>
@@ -4833,7 +5588,7 @@
               <a:pPr>
                 <a:defRPr/>
               </a:pPr>
-              <a:t>5/4/2015</a:t>
+              <a:t>5/6/2015</a:t>
             </a:fld>
             <a:endParaRPr lang="en-US" dirty="0">
               <a:solidFill>
@@ -5261,7 +6016,7 @@
               <a:pPr>
                 <a:defRPr/>
               </a:pPr>
-              <a:t>5/4/2015</a:t>
+              <a:t>5/6/2015</a:t>
             </a:fld>
             <a:endParaRPr lang="en-US" dirty="0">
               <a:solidFill>
@@ -5461,7 +6216,7 @@
               <a:pPr>
                 <a:defRPr/>
               </a:pPr>
-              <a:t>5/4/2015</a:t>
+              <a:t>5/6/2015</a:t>
             </a:fld>
             <a:endParaRPr lang="en-US" dirty="0">
               <a:solidFill>
@@ -5601,7 +6356,7 @@
               <a:pPr>
                 <a:defRPr/>
               </a:pPr>
-              <a:t>5/4/2015</a:t>
+              <a:t>5/6/2015</a:t>
             </a:fld>
             <a:endParaRPr lang="en-US" dirty="0">
               <a:solidFill>
@@ -5912,7 +6667,7 @@
               <a:pPr>
                 <a:defRPr/>
               </a:pPr>
-              <a:t>5/4/2015</a:t>
+              <a:t>5/6/2015</a:t>
             </a:fld>
             <a:endParaRPr lang="en-US" dirty="0">
               <a:solidFill>
@@ -6272,7 +7027,7 @@
               <a:pPr>
                 <a:defRPr/>
               </a:pPr>
-              <a:t>5/4/2015</a:t>
+              <a:t>5/6/2015</a:t>
             </a:fld>
             <a:endParaRPr lang="en-US" dirty="0">
               <a:solidFill>
@@ -6852,7 +7607,7 @@
                   </a:srgbClr>
                 </a:solidFill>
               </a:rPr>
-              <a:t>5/4/2015</a:t>
+              <a:t>5/6/2015</a:t>
             </a:fld>
             <a:endParaRPr lang="en-US" dirty="0">
               <a:solidFill>
@@ -7088,7 +7843,7 @@
               <a:pPr>
                 <a:defRPr/>
               </a:pPr>
-              <a:t>5/4/2015</a:t>
+              <a:t>5/6/2015</a:t>
             </a:fld>
             <a:endParaRPr lang="en-US" dirty="0">
               <a:solidFill>
@@ -7313,7 +8068,7 @@
               <a:pPr>
                 <a:defRPr/>
               </a:pPr>
-              <a:t>5/4/2015</a:t>
+              <a:t>5/6/2015</a:t>
             </a:fld>
             <a:endParaRPr lang="en-US" dirty="0">
               <a:solidFill>
@@ -7558,7 +8313,7 @@
                   </a:srgbClr>
                 </a:solidFill>
               </a:rPr>
-              <a:t>5/4/2015</a:t>
+              <a:t>5/6/2015</a:t>
             </a:fld>
             <a:endParaRPr lang="en-US" dirty="0">
               <a:solidFill>
@@ -7933,7 +8688,7 @@
                   </a:srgbClr>
                 </a:solidFill>
               </a:rPr>
-              <a:t>5/4/2015</a:t>
+              <a:t>5/6/2015</a:t>
             </a:fld>
             <a:endParaRPr lang="en-US" dirty="0">
               <a:solidFill>
@@ -8235,7 +8990,7 @@
                   </a:srgbClr>
                 </a:solidFill>
               </a:rPr>
-              <a:t>5/4/2015</a:t>
+              <a:t>5/6/2015</a:t>
             </a:fld>
             <a:endParaRPr lang="en-US" dirty="0">
               <a:solidFill>
@@ -8392,7 +9147,7 @@
                   </a:srgbClr>
                 </a:solidFill>
               </a:rPr>
-              <a:t>5/4/2015</a:t>
+              <a:t>5/6/2015</a:t>
             </a:fld>
             <a:endParaRPr lang="en-US" dirty="0">
               <a:solidFill>
@@ -8747,7 +9502,7 @@
                   </a:srgbClr>
                 </a:solidFill>
               </a:rPr>
-              <a:t>5/4/2015</a:t>
+              <a:t>5/6/2015</a:t>
             </a:fld>
             <a:endParaRPr lang="en-US" dirty="0">
               <a:solidFill>
@@ -9083,7 +9838,7 @@
                   </a:srgbClr>
                 </a:solidFill>
               </a:rPr>
-              <a:t>5/4/2015</a:t>
+              <a:t>5/6/2015</a:t>
             </a:fld>
             <a:endParaRPr lang="en-US" dirty="0">
               <a:solidFill>
@@ -9320,7 +10075,7 @@
                   </a:srgbClr>
                 </a:solidFill>
               </a:rPr>
-              <a:t>5/4/2015</a:t>
+              <a:t>5/6/2015</a:t>
             </a:fld>
             <a:endParaRPr lang="en-US" dirty="0">
               <a:solidFill>
@@ -9603,7 +10358,7 @@
             <a:fld id="{5AE4DD19-95FB-4280-9209-E7E1030A9938}" type="datetime1">
               <a:rPr lang="en-US" smtClean="0"/>
               <a:pPr/>
-              <a:t>5/4/2015</a:t>
+              <a:t>5/6/2015</a:t>
             </a:fld>
             <a:r>
               <a:rPr lang="en-US" dirty="0" smtClean="0"/>
@@ -10576,7 +11331,7 @@
                 </a:spcAft>
                 <a:defRPr/>
               </a:pPr>
-              <a:t>5/4/2015</a:t>
+              <a:t>5/6/2015</a:t>
             </a:fld>
             <a:endParaRPr lang="en-US" dirty="0">
               <a:solidFill>
@@ -11321,11 +12076,7 @@
             </a:br>
             <a:r>
               <a:rPr lang="en-US" sz="6000" spc="-150" dirty="0" smtClean="0"/>
-              <a:t>- </a:t>
-            </a:r>
-            <a:r>
-              <a:rPr lang="en-US" sz="6000" spc="-150" dirty="0" smtClean="0"/>
-              <a:t>mdTranslator in Rails</a:t>
+              <a:t>- mdTranslator in Rails</a:t>
             </a:r>
             <a:r>
               <a:rPr lang="en-US" sz="6600" spc="-150" dirty="0" smtClean="0"/>
@@ -11514,7 +12265,15 @@
           <a:bodyPr/>
           <a:lstStyle/>
           <a:p>
-            <a:endParaRPr lang="en-US"/>
+            <a:r>
+              <a:rPr lang="en-US" dirty="0"/>
+              <a:t>mdTranslator on Rails </a:t>
+            </a:r>
+            <a:r>
+              <a:rPr lang="en-US" dirty="0" smtClean="0"/>
+              <a:t>8</a:t>
+            </a:r>
+            <a:endParaRPr lang="en-US" dirty="0"/>
           </a:p>
         </p:txBody>
       </p:sp>
@@ -11541,39 +12300,57 @@
             </a:pPr>
             <a:r>
               <a:rPr lang="en-US" sz="1800" dirty="0"/>
-              <a:t>Rails only generated code in the router and controller to process the HTTP </a:t>
+              <a:t>Rails only generated code in the router and controller to process the HTTP GET verb.  Add </a:t>
+            </a:r>
+            <a:r>
+              <a:rPr lang="en-US" sz="1800" dirty="0" smtClean="0"/>
+              <a:t>a ‘resources</a:t>
             </a:r>
             <a:r>
               <a:rPr lang="en-US" sz="1800" dirty="0"/>
-              <a:t>GET verb.  </a:t>
+              <a:t>’ </a:t>
+            </a:r>
+            <a:r>
+              <a:rPr lang="en-US" sz="1800" dirty="0" smtClean="0"/>
+              <a:t>statement to </a:t>
+            </a:r>
+            <a:br>
+              <a:rPr lang="en-US" sz="1800" dirty="0" smtClean="0"/>
+            </a:br>
+            <a:r>
+              <a:rPr lang="en-US" sz="1800" i="1" dirty="0" smtClean="0"/>
+              <a:t>…/</a:t>
+            </a:r>
+            <a:r>
+              <a:rPr lang="en-US" sz="1800" i="1" dirty="0" err="1"/>
+              <a:t>config</a:t>
+            </a:r>
+            <a:r>
+              <a:rPr lang="en-US" sz="1800" i="1" dirty="0"/>
+              <a:t>/</a:t>
+            </a:r>
+            <a:r>
+              <a:rPr lang="en-US" sz="1800" i="1" dirty="0" err="1"/>
+              <a:t>routes.rb</a:t>
+            </a:r>
+            <a:r>
+              <a:rPr lang="en-US" sz="1800" i="1" dirty="0"/>
+              <a:t> </a:t>
+            </a:r>
+            <a:r>
+              <a:rPr lang="en-US" sz="1800" dirty="0" smtClean="0"/>
+              <a:t/>
+            </a:r>
+            <a:br>
+              <a:rPr lang="en-US" sz="1800" dirty="0" smtClean="0"/>
+            </a:br>
+            <a:r>
+              <a:rPr lang="en-US" sz="1800" dirty="0" smtClean="0"/>
+              <a:t>to </a:t>
             </a:r>
             <a:r>
               <a:rPr lang="en-US" sz="1800" dirty="0"/>
-              <a:t>Add ‘</a:t>
-            </a:r>
-            <a:r>
-              <a:rPr lang="en-US" sz="1800" dirty="0"/>
-              <a:t>resources’ to ../</a:t>
-            </a:r>
-            <a:r>
-              <a:rPr lang="en-US" sz="1800" dirty="0" err="1"/>
-              <a:t>config</a:t>
-            </a:r>
-            <a:r>
-              <a:rPr lang="en-US" sz="1800" dirty="0"/>
-              <a:t>/</a:t>
-            </a:r>
-            <a:r>
-              <a:rPr lang="en-US" sz="1800" dirty="0" err="1"/>
-              <a:t>routes.rb</a:t>
-            </a:r>
-            <a:r>
-              <a:rPr lang="en-US" sz="1800" dirty="0"/>
-              <a:t> </a:t>
-            </a:r>
-            <a:r>
-              <a:rPr lang="en-US" sz="1800" dirty="0"/>
-              <a:t>to have Rails automatically handle all HTTP verbs, including POST. </a:t>
+              <a:t>have Rails automatically handle all HTTP verbs, including POST. </a:t>
             </a:r>
           </a:p>
           <a:p>
@@ -11611,7 +12388,7 @@
                   </a:srgbClr>
                 </a:solidFill>
               </a:rPr>
-              <a:t>5/4/2015</a:t>
+              <a:t>5/6/2015</a:t>
             </a:fld>
             <a:endParaRPr lang="en-US" dirty="0">
               <a:solidFill>
@@ -11710,8 +12487,8 @@
         </p:nvSpPr>
         <p:spPr>
           <a:xfrm>
-            <a:off x="2286000" y="2843197"/>
-            <a:ext cx="4572000" cy="966803"/>
+            <a:off x="1371600" y="2984337"/>
+            <a:ext cx="6400800" cy="1054263"/>
           </a:xfrm>
           <a:prstGeom prst="rect">
             <a:avLst/>
@@ -11745,7 +12522,7 @@
               </a:lnSpc>
             </a:pPr>
             <a:r>
-              <a:rPr lang="en-US" sz="1000" dirty="0" err="1">
+              <a:rPr lang="en-US" sz="1100" dirty="0" err="1">
                 <a:solidFill>
                   <a:srgbClr val="DA4939"/>
                 </a:solidFill>
@@ -11756,7 +12533,7 @@
               <a:t>Rails</a:t>
             </a:r>
             <a:r>
-              <a:rPr lang="en-US" sz="1000" dirty="0" err="1">
+              <a:rPr lang="en-US" sz="1100" dirty="0" err="1">
                 <a:solidFill>
                   <a:srgbClr val="A9B7C6"/>
                 </a:solidFill>
@@ -11767,7 +12544,7 @@
               <a:t>.application.routes.draw</a:t>
             </a:r>
             <a:r>
-              <a:rPr lang="en-US" sz="1000" dirty="0">
+              <a:rPr lang="en-US" sz="1100" dirty="0">
                 <a:solidFill>
                   <a:srgbClr val="A9B7C6"/>
                 </a:solidFill>
@@ -11778,7 +12555,7 @@
               <a:t> </a:t>
             </a:r>
             <a:r>
-              <a:rPr lang="en-US" sz="1000" dirty="0">
+              <a:rPr lang="en-US" sz="1100" dirty="0">
                 <a:solidFill>
                   <a:srgbClr val="CC7833"/>
                 </a:solidFill>
@@ -11789,7 +12566,7 @@
               <a:t>do</a:t>
             </a:r>
             <a:br>
-              <a:rPr lang="en-US" sz="1000" dirty="0">
+              <a:rPr lang="en-US" sz="1100" dirty="0">
                 <a:solidFill>
                   <a:srgbClr val="CC7833"/>
                 </a:solidFill>
@@ -11799,7 +12576,7 @@
               </a:rPr>
             </a:br>
             <a:r>
-              <a:rPr lang="en-US" sz="1000" dirty="0">
+              <a:rPr lang="en-US" sz="1100" dirty="0">
                 <a:solidFill>
                   <a:srgbClr val="CC7833"/>
                 </a:solidFill>
@@ -11810,7 +12587,7 @@
               <a:t>    </a:t>
             </a:r>
             <a:r>
-              <a:rPr lang="en-US" sz="1000" i="1" dirty="0">
+              <a:rPr lang="en-US" sz="1100" i="1" dirty="0">
                 <a:solidFill>
                   <a:srgbClr val="FFC66D"/>
                 </a:solidFill>
@@ -11821,7 +12598,7 @@
               <a:t>get </a:t>
             </a:r>
             <a:r>
-              <a:rPr lang="en-US" sz="1000" dirty="0">
+              <a:rPr lang="en-US" sz="1100" dirty="0">
                 <a:solidFill>
                   <a:srgbClr val="A5C25C"/>
                 </a:solidFill>
@@ -11832,7 +12609,7 @@
               <a:t>'translate/index'</a:t>
             </a:r>
             <a:br>
-              <a:rPr lang="en-US" sz="1000" dirty="0">
+              <a:rPr lang="en-US" sz="1100" dirty="0">
                 <a:solidFill>
                   <a:srgbClr val="A5C25C"/>
                 </a:solidFill>
@@ -11842,7 +12619,7 @@
               </a:rPr>
             </a:br>
             <a:r>
-              <a:rPr lang="en-US" sz="1000" dirty="0">
+              <a:rPr lang="en-US" sz="1100" dirty="0">
                 <a:solidFill>
                   <a:srgbClr val="A5C25C"/>
                 </a:solidFill>
@@ -11853,7 +12630,7 @@
               <a:t>    </a:t>
             </a:r>
             <a:r>
-              <a:rPr lang="en-US" sz="1000" i="1" dirty="0">
+              <a:rPr lang="en-US" sz="1100" i="1" dirty="0">
                 <a:solidFill>
                   <a:srgbClr val="FFC66D"/>
                 </a:solidFill>
@@ -11864,7 +12641,7 @@
               <a:t>root </a:t>
             </a:r>
             <a:r>
-              <a:rPr lang="en-US" sz="1000" dirty="0">
+              <a:rPr lang="en-US" sz="1100" dirty="0">
                 <a:solidFill>
                   <a:srgbClr val="A5C25C"/>
                 </a:solidFill>
@@ -11875,7 +12652,7 @@
               <a:t>'</a:t>
             </a:r>
             <a:r>
-              <a:rPr lang="en-US" sz="1000" dirty="0" err="1">
+              <a:rPr lang="en-US" sz="1100" dirty="0" err="1">
                 <a:solidFill>
                   <a:srgbClr val="A5C25C"/>
                 </a:solidFill>
@@ -11886,7 +12663,7 @@
               <a:t>translate#index</a:t>
             </a:r>
             <a:r>
-              <a:rPr lang="en-US" sz="1000" dirty="0">
+              <a:rPr lang="en-US" sz="1100" dirty="0">
                 <a:solidFill>
                   <a:srgbClr val="A5C25C"/>
                 </a:solidFill>
@@ -11897,7 +12674,7 @@
               <a:t>'</a:t>
             </a:r>
             <a:br>
-              <a:rPr lang="en-US" sz="1000" dirty="0">
+              <a:rPr lang="en-US" sz="1100" dirty="0">
                 <a:solidFill>
                   <a:srgbClr val="A5C25C"/>
                 </a:solidFill>
@@ -11907,7 +12684,7 @@
               </a:rPr>
             </a:br>
             <a:r>
-              <a:rPr lang="en-US" sz="1000" dirty="0">
+              <a:rPr lang="en-US" sz="1100" dirty="0">
                 <a:solidFill>
                   <a:srgbClr val="A5C25C"/>
                 </a:solidFill>
@@ -11918,7 +12695,7 @@
               <a:t>    </a:t>
             </a:r>
             <a:r>
-              <a:rPr lang="en-US" sz="1000" i="1" dirty="0">
+              <a:rPr lang="en-US" sz="1100" i="1" dirty="0">
                 <a:solidFill>
                   <a:srgbClr val="FFC66D"/>
                 </a:solidFill>
@@ -11929,7 +12706,7 @@
               <a:t>resources </a:t>
             </a:r>
             <a:r>
-              <a:rPr lang="en-US" sz="1000" dirty="0">
+              <a:rPr lang="en-US" sz="1100" dirty="0">
                 <a:solidFill>
                   <a:srgbClr val="6E9CBE"/>
                 </a:solidFill>
@@ -11940,7 +12717,7 @@
               <a:t>:translate</a:t>
             </a:r>
             <a:br>
-              <a:rPr lang="en-US" sz="1000" dirty="0">
+              <a:rPr lang="en-US" sz="1100" dirty="0">
                 <a:solidFill>
                   <a:srgbClr val="6E9CBE"/>
                 </a:solidFill>
@@ -11949,7 +12726,7 @@
                 <a:cs typeface="Courier New"/>
               </a:rPr>
             </a:br>
-            <a:endParaRPr lang="en-US" sz="1000" dirty="0">
+            <a:endParaRPr lang="en-US" sz="1100" dirty="0">
               <a:effectLst/>
               <a:latin typeface="Calibri"/>
               <a:ea typeface="Calibri"/>
@@ -12027,7 +12804,15 @@
           <a:bodyPr/>
           <a:lstStyle/>
           <a:p>
-            <a:endParaRPr lang="en-US"/>
+            <a:r>
+              <a:rPr lang="en-US" dirty="0"/>
+              <a:t>mdTranslator on Rails </a:t>
+            </a:r>
+            <a:r>
+              <a:rPr lang="en-US" dirty="0" smtClean="0"/>
+              <a:t>9</a:t>
+            </a:r>
+            <a:endParaRPr lang="en-US" dirty="0"/>
           </a:p>
         </p:txBody>
       </p:sp>
@@ -12061,24 +12846,42 @@
               <a:t>code in the </a:t>
             </a:r>
             <a:r>
+              <a:rPr lang="en-US" sz="1800" dirty="0" smtClean="0"/>
+              <a:t/>
+            </a:r>
+            <a:br>
+              <a:rPr lang="en-US" sz="1800" dirty="0" smtClean="0"/>
+            </a:br>
+            <a:r>
+              <a:rPr lang="en-US" sz="1800" i="1" dirty="0" smtClean="0"/>
+              <a:t>…/</a:t>
+            </a:r>
+            <a:r>
+              <a:rPr lang="en-US" sz="1800" i="1" dirty="0"/>
+              <a:t>app/controllers/</a:t>
+            </a:r>
+            <a:r>
+              <a:rPr lang="en-US" sz="1800" i="1" dirty="0" err="1"/>
+              <a:t>translate_controller.rb</a:t>
+            </a:r>
+            <a:r>
+              <a:rPr lang="en-US" sz="1800" i="1" dirty="0"/>
+              <a:t> </a:t>
+            </a:r>
+            <a:r>
+              <a:rPr lang="en-US" sz="1800" dirty="0" smtClean="0"/>
+              <a:t/>
+            </a:r>
+            <a:br>
+              <a:rPr lang="en-US" sz="1800" dirty="0" smtClean="0"/>
+            </a:br>
+            <a:r>
+              <a:rPr lang="en-US" sz="1800" dirty="0" smtClean="0"/>
+              <a:t>file intercept </a:t>
+            </a:r>
+            <a:r>
               <a:rPr lang="en-US" sz="1800" dirty="0"/>
-              <a:t>../app/controllers/</a:t>
-            </a:r>
-            <a:r>
-              <a:rPr lang="en-US" sz="1800" dirty="0" err="1"/>
-              <a:t>translate_controller.rb</a:t>
-            </a:r>
-            <a:r>
-              <a:rPr lang="en-US" sz="1800" dirty="0"/>
-              <a:t> </a:t>
-            </a:r>
-            <a:r>
-              <a:rPr lang="en-US" sz="1800" dirty="0"/>
-              <a:t>to intercept and process the HTTP POST </a:t>
-            </a:r>
-            <a:r>
-              <a:rPr lang="en-US" sz="1800" dirty="0"/>
-              <a:t>request. </a:t>
+              <a:t>and process the HTTP POST request. </a:t>
             </a:r>
           </a:p>
         </p:txBody>
@@ -12109,7 +12912,7 @@
                   </a:srgbClr>
                 </a:solidFill>
               </a:rPr>
-              <a:t>5/4/2015</a:t>
+              <a:t>5/6/2015</a:t>
             </a:fld>
             <a:endParaRPr lang="en-US" dirty="0">
               <a:solidFill>
@@ -12208,8 +13011,8 @@
         </p:nvSpPr>
         <p:spPr>
           <a:xfrm>
-            <a:off x="2286000" y="2667000"/>
-            <a:ext cx="4572000" cy="2382255"/>
+            <a:off x="1371600" y="2764976"/>
+            <a:ext cx="6400800" cy="2416624"/>
           </a:xfrm>
           <a:prstGeom prst="rect">
             <a:avLst/>
@@ -12243,7 +13046,7 @@
               </a:lnSpc>
             </a:pPr>
             <a:r>
-              <a:rPr lang="en-US" sz="1000" dirty="0">
+              <a:rPr lang="en-US" sz="1100" dirty="0">
                 <a:solidFill>
                   <a:srgbClr val="CC7833"/>
                 </a:solidFill>
@@ -12254,7 +13057,7 @@
               <a:t>class </a:t>
             </a:r>
             <a:r>
-              <a:rPr lang="en-US" sz="1000" i="1" dirty="0" err="1">
+              <a:rPr lang="en-US" sz="1100" i="1" dirty="0" err="1">
                 <a:solidFill>
                   <a:srgbClr val="9876AA"/>
                 </a:solidFill>
@@ -12265,7 +13068,7 @@
               <a:t>TranslateController</a:t>
             </a:r>
             <a:r>
-              <a:rPr lang="en-US" sz="1000" i="1" dirty="0">
+              <a:rPr lang="en-US" sz="1100" i="1" dirty="0">
                 <a:solidFill>
                   <a:srgbClr val="9876AA"/>
                 </a:solidFill>
@@ -12276,7 +13079,7 @@
               <a:t> </a:t>
             </a:r>
             <a:r>
-              <a:rPr lang="en-US" sz="1000" dirty="0">
+              <a:rPr lang="en-US" sz="1100" dirty="0">
                 <a:solidFill>
                   <a:srgbClr val="CC7833"/>
                 </a:solidFill>
@@ -12287,7 +13090,7 @@
               <a:t>&lt; </a:t>
             </a:r>
             <a:r>
-              <a:rPr lang="en-US" sz="1000" dirty="0" err="1">
+              <a:rPr lang="en-US" sz="1100" dirty="0" err="1">
                 <a:solidFill>
                   <a:srgbClr val="DA4939"/>
                 </a:solidFill>
@@ -12298,7 +13101,7 @@
               <a:t>ApplicationController</a:t>
             </a:r>
             <a:r>
-              <a:rPr lang="en-US" sz="1000" dirty="0">
+              <a:rPr lang="en-US" sz="1100" dirty="0">
                 <a:solidFill>
                   <a:srgbClr val="DA4939"/>
                 </a:solidFill>
@@ -12309,7 +13112,7 @@
               <a:t/>
             </a:r>
             <a:br>
-              <a:rPr lang="en-US" sz="1000" dirty="0">
+              <a:rPr lang="en-US" sz="1100" dirty="0">
                 <a:solidFill>
                   <a:srgbClr val="DA4939"/>
                 </a:solidFill>
@@ -12319,7 +13122,7 @@
               </a:rPr>
             </a:br>
             <a:r>
-              <a:rPr lang="en-US" sz="1000" dirty="0">
+              <a:rPr lang="en-US" sz="1100" dirty="0">
                 <a:solidFill>
                   <a:srgbClr val="DA4939"/>
                 </a:solidFill>
@@ -12330,7 +13133,7 @@
               <a:t/>
             </a:r>
             <a:br>
-              <a:rPr lang="en-US" sz="1000" dirty="0">
+              <a:rPr lang="en-US" sz="1100" dirty="0">
                 <a:solidFill>
                   <a:srgbClr val="DA4939"/>
                 </a:solidFill>
@@ -12340,7 +13143,7 @@
               </a:rPr>
             </a:br>
             <a:r>
-              <a:rPr lang="en-US" sz="1000" dirty="0">
+              <a:rPr lang="en-US" sz="1100" dirty="0">
                 <a:solidFill>
                   <a:srgbClr val="DA4939"/>
                 </a:solidFill>
@@ -12351,7 +13154,7 @@
               <a:t>    </a:t>
             </a:r>
             <a:r>
-              <a:rPr lang="en-US" sz="1000" i="1" dirty="0">
+              <a:rPr lang="en-US" sz="1100" i="1" dirty="0">
                 <a:solidFill>
                   <a:srgbClr val="BC9458"/>
                 </a:solidFill>
@@ -12362,7 +13165,7 @@
               <a:t># process GETs</a:t>
             </a:r>
             <a:br>
-              <a:rPr lang="en-US" sz="1000" i="1" dirty="0">
+              <a:rPr lang="en-US" sz="1100" i="1" dirty="0">
                 <a:solidFill>
                   <a:srgbClr val="BC9458"/>
                 </a:solidFill>
@@ -12372,7 +13175,7 @@
               </a:rPr>
             </a:br>
             <a:r>
-              <a:rPr lang="en-US" sz="1000" i="1" dirty="0">
+              <a:rPr lang="en-US" sz="1100" i="1" dirty="0">
                 <a:solidFill>
                   <a:srgbClr val="BC9458"/>
                 </a:solidFill>
@@ -12383,7 +13186,7 @@
               <a:t>    </a:t>
             </a:r>
             <a:r>
-              <a:rPr lang="en-US" sz="1000" dirty="0" err="1">
+              <a:rPr lang="en-US" sz="1100" dirty="0" err="1">
                 <a:solidFill>
                   <a:srgbClr val="CC7833"/>
                 </a:solidFill>
@@ -12394,7 +13197,7 @@
               <a:t>def</a:t>
             </a:r>
             <a:r>
-              <a:rPr lang="en-US" sz="1000" dirty="0">
+              <a:rPr lang="en-US" sz="1100" dirty="0">
                 <a:solidFill>
                   <a:srgbClr val="CC7833"/>
                 </a:solidFill>
@@ -12405,7 +13208,7 @@
               <a:t> </a:t>
             </a:r>
             <a:r>
-              <a:rPr lang="en-US" sz="1000" dirty="0">
+              <a:rPr lang="en-US" sz="1100" dirty="0">
                 <a:solidFill>
                   <a:srgbClr val="FFC66D"/>
                 </a:solidFill>
@@ -12416,7 +13219,7 @@
               <a:t>index</a:t>
             </a:r>
             <a:br>
-              <a:rPr lang="en-US" sz="1000" dirty="0">
+              <a:rPr lang="en-US" sz="1100" dirty="0">
                 <a:solidFill>
                   <a:srgbClr val="FFC66D"/>
                 </a:solidFill>
@@ -12426,7 +13229,7 @@
               </a:rPr>
             </a:br>
             <a:r>
-              <a:rPr lang="en-US" sz="1000" dirty="0">
+              <a:rPr lang="en-US" sz="1100" dirty="0">
                 <a:solidFill>
                   <a:srgbClr val="FFC66D"/>
                 </a:solidFill>
@@ -12437,7 +13240,7 @@
               <a:t>    </a:t>
             </a:r>
             <a:r>
-              <a:rPr lang="en-US" sz="1000" dirty="0">
+              <a:rPr lang="en-US" sz="1100" dirty="0">
                 <a:solidFill>
                   <a:srgbClr val="CC7833"/>
                 </a:solidFill>
@@ -12448,7 +13251,7 @@
               <a:t>end</a:t>
             </a:r>
             <a:br>
-              <a:rPr lang="en-US" sz="1000" dirty="0">
+              <a:rPr lang="en-US" sz="1100" dirty="0">
                 <a:solidFill>
                   <a:srgbClr val="CC7833"/>
                 </a:solidFill>
@@ -12458,7 +13261,7 @@
               </a:rPr>
             </a:br>
             <a:r>
-              <a:rPr lang="en-US" sz="1000" dirty="0">
+              <a:rPr lang="en-US" sz="1100" dirty="0">
                 <a:solidFill>
                   <a:srgbClr val="CC7833"/>
                 </a:solidFill>
@@ -12469,7 +13272,7 @@
               <a:t/>
             </a:r>
             <a:br>
-              <a:rPr lang="en-US" sz="1000" dirty="0">
+              <a:rPr lang="en-US" sz="1100" dirty="0">
                 <a:solidFill>
                   <a:srgbClr val="CC7833"/>
                 </a:solidFill>
@@ -12479,7 +13282,7 @@
               </a:rPr>
             </a:br>
             <a:r>
-              <a:rPr lang="en-US" sz="1000" dirty="0">
+              <a:rPr lang="en-US" sz="1100" dirty="0">
                 <a:solidFill>
                   <a:srgbClr val="CC7833"/>
                 </a:solidFill>
@@ -12490,7 +13293,7 @@
               <a:t>    </a:t>
             </a:r>
             <a:r>
-              <a:rPr lang="en-US" sz="1000" i="1" dirty="0">
+              <a:rPr lang="en-US" sz="1100" i="1" dirty="0">
                 <a:solidFill>
                   <a:srgbClr val="BC9458"/>
                 </a:solidFill>
@@ -12501,7 +13304,7 @@
               <a:t># process POSTs</a:t>
             </a:r>
             <a:br>
-              <a:rPr lang="en-US" sz="1000" i="1" dirty="0">
+              <a:rPr lang="en-US" sz="1100" i="1" dirty="0">
                 <a:solidFill>
                   <a:srgbClr val="BC9458"/>
                 </a:solidFill>
@@ -12511,7 +13314,7 @@
               </a:rPr>
             </a:br>
             <a:r>
-              <a:rPr lang="en-US" sz="1000" i="1" dirty="0">
+              <a:rPr lang="en-US" sz="1100" i="1" dirty="0">
                 <a:solidFill>
                   <a:srgbClr val="BC9458"/>
                 </a:solidFill>
@@ -12522,7 +13325,7 @@
               <a:t>    </a:t>
             </a:r>
             <a:r>
-              <a:rPr lang="en-US" sz="1000" dirty="0" err="1">
+              <a:rPr lang="en-US" sz="1100" dirty="0" err="1">
                 <a:solidFill>
                   <a:srgbClr val="CC7833"/>
                 </a:solidFill>
@@ -12533,7 +13336,7 @@
               <a:t>def</a:t>
             </a:r>
             <a:r>
-              <a:rPr lang="en-US" sz="1000" dirty="0">
+              <a:rPr lang="en-US" sz="1100" dirty="0">
                 <a:solidFill>
                   <a:srgbClr val="CC7833"/>
                 </a:solidFill>
@@ -12544,7 +13347,7 @@
               <a:t> </a:t>
             </a:r>
             <a:r>
-              <a:rPr lang="en-US" sz="1000" dirty="0">
+              <a:rPr lang="en-US" sz="1100" dirty="0">
                 <a:solidFill>
                   <a:srgbClr val="FFC66D"/>
                 </a:solidFill>
@@ -12555,7 +13358,7 @@
               <a:t>create</a:t>
             </a:r>
             <a:br>
-              <a:rPr lang="en-US" sz="1000" dirty="0">
+              <a:rPr lang="en-US" sz="1100" dirty="0">
                 <a:solidFill>
                   <a:srgbClr val="FFC66D"/>
                 </a:solidFill>
@@ -12565,7 +13368,7 @@
               </a:rPr>
             </a:br>
             <a:r>
-              <a:rPr lang="en-US" sz="1000" dirty="0">
+              <a:rPr lang="en-US" sz="1100" dirty="0">
                 <a:solidFill>
                   <a:srgbClr val="FFC66D"/>
                 </a:solidFill>
@@ -12576,7 +13379,7 @@
               <a:t>        </a:t>
             </a:r>
             <a:r>
-              <a:rPr lang="en-US" sz="1000" dirty="0">
+              <a:rPr lang="en-US" sz="1100" dirty="0">
                 <a:solidFill>
                   <a:srgbClr val="DA4939"/>
                 </a:solidFill>
@@ -12587,7 +13390,7 @@
               <a:t>render </a:t>
             </a:r>
             <a:r>
-              <a:rPr lang="en-US" sz="1000" dirty="0">
+              <a:rPr lang="en-US" sz="1100" dirty="0">
                 <a:solidFill>
                   <a:srgbClr val="6E9CBE"/>
                 </a:solidFill>
@@ -12598,7 +13401,7 @@
               <a:t>inline</a:t>
             </a:r>
             <a:r>
-              <a:rPr lang="en-US" sz="1000" dirty="0">
+              <a:rPr lang="en-US" sz="1100" dirty="0">
                 <a:solidFill>
                   <a:srgbClr val="A9B7C6"/>
                 </a:solidFill>
@@ -12609,7 +13412,7 @@
               <a:t>: </a:t>
             </a:r>
             <a:r>
-              <a:rPr lang="en-US" sz="1000" dirty="0">
+              <a:rPr lang="en-US" sz="1100" dirty="0">
                 <a:solidFill>
                   <a:srgbClr val="A5C25C"/>
                 </a:solidFill>
@@ -12620,7 +13423,7 @@
               <a:t>'&lt;h2&gt;This is the HTTP POST&lt;/h2&gt;'</a:t>
             </a:r>
             <a:br>
-              <a:rPr lang="en-US" sz="1000" dirty="0">
+              <a:rPr lang="en-US" sz="1100" dirty="0">
                 <a:solidFill>
                   <a:srgbClr val="A5C25C"/>
                 </a:solidFill>
@@ -12630,7 +13433,7 @@
               </a:rPr>
             </a:br>
             <a:r>
-              <a:rPr lang="en-US" sz="1000" dirty="0">
+              <a:rPr lang="en-US" sz="1100" dirty="0">
                 <a:solidFill>
                   <a:srgbClr val="A5C25C"/>
                 </a:solidFill>
@@ -12641,7 +13444,7 @@
               <a:t>    </a:t>
             </a:r>
             <a:r>
-              <a:rPr lang="en-US" sz="1000" dirty="0">
+              <a:rPr lang="en-US" sz="1100" dirty="0">
                 <a:solidFill>
                   <a:srgbClr val="CC7833"/>
                 </a:solidFill>
@@ -12652,7 +13455,7 @@
               <a:t>end</a:t>
             </a:r>
             <a:br>
-              <a:rPr lang="en-US" sz="1000" dirty="0">
+              <a:rPr lang="en-US" sz="1100" dirty="0">
                 <a:solidFill>
                   <a:srgbClr val="CC7833"/>
                 </a:solidFill>
@@ -12662,7 +13465,7 @@
               </a:rPr>
             </a:br>
             <a:r>
-              <a:rPr lang="en-US" sz="1000" dirty="0">
+              <a:rPr lang="en-US" sz="1100" dirty="0">
                 <a:solidFill>
                   <a:srgbClr val="CC7833"/>
                 </a:solidFill>
@@ -12673,7 +13476,7 @@
               <a:t/>
             </a:r>
             <a:br>
-              <a:rPr lang="en-US" sz="1000" dirty="0">
+              <a:rPr lang="en-US" sz="1100" dirty="0">
                 <a:solidFill>
                   <a:srgbClr val="CC7833"/>
                 </a:solidFill>
@@ -12683,7 +13486,7 @@
               </a:rPr>
             </a:br>
             <a:r>
-              <a:rPr lang="en-US" sz="1000" dirty="0" err="1">
+              <a:rPr lang="en-US" sz="1100" dirty="0" err="1" smtClean="0">
                 <a:solidFill>
                   <a:srgbClr val="CC7833"/>
                 </a:solidFill>
@@ -12693,31 +13496,7 @@
               </a:rPr>
               <a:t>end</a:t>
             </a:r>
-            <a:endParaRPr lang="en-US" sz="1000" dirty="0">
-              <a:latin typeface="Calibri"/>
-              <a:ea typeface="Calibri"/>
-              <a:cs typeface="Times New Roman"/>
-            </a:endParaRPr>
-          </a:p>
-          <a:p>
-            <a:pPr>
-              <a:lnSpc>
-                <a:spcPct val="115000"/>
-              </a:lnSpc>
-            </a:pPr>
-            <a:r>
-              <a:rPr lang="en-US" sz="1000" dirty="0">
-                <a:solidFill>
-                  <a:srgbClr val="CC7833"/>
-                </a:solidFill>
-                <a:latin typeface="Lucida Console"/>
-                <a:ea typeface="Calibri"/>
-                <a:cs typeface="Courier New"/>
-              </a:rPr>
-              <a:t> </a:t>
-            </a:r>
-            <a:endParaRPr lang="en-US" sz="1000" dirty="0">
-              <a:effectLst/>
+            <a:endParaRPr lang="en-US" sz="1100" dirty="0">
               <a:latin typeface="Calibri"/>
               <a:ea typeface="Calibri"/>
               <a:cs typeface="Times New Roman"/>
@@ -12777,7 +13556,15 @@
           <a:bodyPr/>
           <a:lstStyle/>
           <a:p>
-            <a:endParaRPr lang="en-US"/>
+            <a:r>
+              <a:rPr lang="en-US" dirty="0"/>
+              <a:t>mdTranslator on Rails </a:t>
+            </a:r>
+            <a:r>
+              <a:rPr lang="en-US" dirty="0" smtClean="0"/>
+              <a:t>10</a:t>
+            </a:r>
+            <a:endParaRPr lang="en-US" dirty="0"/>
           </a:p>
         </p:txBody>
       </p:sp>
@@ -12804,8 +13591,21 @@
             </a:pPr>
             <a:r>
               <a:rPr lang="en-US" sz="1800" dirty="0"/>
-              <a:t>Now the HTTP POST is properly intercepted when the ‘Submit’ button is pressed.  </a:t>
-            </a:r>
+              <a:t>Now the HTTP POST is properly </a:t>
+            </a:r>
+            <a:r>
+              <a:rPr lang="en-US" sz="1800" dirty="0" smtClean="0"/>
+              <a:t>intercepted.  When </a:t>
+            </a:r>
+            <a:r>
+              <a:rPr lang="en-US" sz="1800" dirty="0"/>
+              <a:t>the ‘Submit’ button is </a:t>
+            </a:r>
+            <a:r>
+              <a:rPr lang="en-US" sz="1800" dirty="0" smtClean="0"/>
+              <a:t>pressed we see...  </a:t>
+            </a:r>
+            <a:endParaRPr lang="en-US" sz="1800" dirty="0"/>
           </a:p>
           <a:p>
             <a:pPr marL="457200" indent="-457200">
@@ -12842,7 +13642,7 @@
                   </a:srgbClr>
                 </a:solidFill>
               </a:rPr>
-              <a:t>5/4/2015</a:t>
+              <a:t>5/6/2015</a:t>
             </a:fld>
             <a:endParaRPr lang="en-US" dirty="0">
               <a:solidFill>
@@ -13016,7 +13816,15 @@
           <a:bodyPr/>
           <a:lstStyle/>
           <a:p>
-            <a:endParaRPr lang="en-US"/>
+            <a:r>
+              <a:rPr lang="en-US" dirty="0"/>
+              <a:t>mdTranslator on Rails </a:t>
+            </a:r>
+            <a:r>
+              <a:rPr lang="en-US" dirty="0" smtClean="0"/>
+              <a:t>11</a:t>
+            </a:r>
+            <a:endParaRPr lang="en-US" dirty="0"/>
           </a:p>
         </p:txBody>
       </p:sp>
@@ -13043,7 +13851,11 @@
             </a:pPr>
             <a:r>
               <a:rPr lang="en-US" sz="1800" dirty="0"/>
-              <a:t>With the basic structure of the website is complete </a:t>
+              <a:t>With the basic structure of the website </a:t>
+            </a:r>
+            <a:r>
+              <a:rPr lang="en-US" sz="1800" dirty="0" smtClean="0"/>
+              <a:t>complete </a:t>
             </a:r>
             <a:r>
               <a:rPr lang="en-US" sz="1800" dirty="0" smtClean="0"/>
@@ -13051,11 +13863,23 @@
             </a:r>
             <a:r>
               <a:rPr lang="en-US" sz="1800" dirty="0"/>
-              <a:t>the mdTranslator gem to the website.   Add </a:t>
+              <a:t>the mdTranslator gem to the website.  </a:t>
             </a:r>
             <a:r>
               <a:rPr lang="en-US" sz="1800" dirty="0" smtClean="0"/>
-              <a:t>a gem </a:t>
+              <a:t>Add </a:t>
+            </a:r>
+            <a:r>
+              <a:rPr lang="en-US" sz="1800" dirty="0" smtClean="0"/>
+              <a:t>the adiwg-mdtranslator</a:t>
+            </a:r>
+            <a:r>
+              <a:rPr lang="en-US" sz="1800" dirty="0" smtClean="0"/>
+              <a:t> </a:t>
+            </a:r>
+            <a:r>
+              <a:rPr lang="en-US" sz="1800" dirty="0" smtClean="0"/>
+              <a:t>gem </a:t>
             </a:r>
             <a:r>
               <a:rPr lang="en-US" sz="1800" dirty="0"/>
@@ -13063,19 +13887,15 @@
             </a:r>
             <a:r>
               <a:rPr lang="en-US" sz="1800" dirty="0" smtClean="0"/>
-              <a:t>../</a:t>
+              <a:t>.../</a:t>
             </a:r>
             <a:r>
               <a:rPr lang="en-US" sz="1800" dirty="0" err="1" smtClean="0"/>
               <a:t>Gemfile</a:t>
             </a:r>
             <a:r>
-              <a:rPr lang="en-US" sz="1800" dirty="0"/>
-              <a:t> </a:t>
-            </a:r>
-            <a:r>
               <a:rPr lang="en-US" sz="1800" dirty="0" smtClean="0"/>
-              <a:t>… </a:t>
+              <a:t>.  </a:t>
             </a:r>
             <a:endParaRPr lang="en-US" sz="1800" dirty="0"/>
           </a:p>
@@ -13098,13 +13918,6 @@
               <a:buFont typeface="+mj-lt"/>
               <a:buAutoNum type="arabicPeriod" startAt="15"/>
             </a:pPr>
-            <a:endParaRPr lang="en-US" sz="1800" dirty="0" smtClean="0"/>
-          </a:p>
-          <a:p>
-            <a:pPr>
-              <a:buFont typeface="+mj-lt"/>
-              <a:buAutoNum type="arabicPeriod" startAt="15"/>
-            </a:pPr>
             <a:endParaRPr lang="en-US" sz="1800" dirty="0"/>
           </a:p>
           <a:p>
@@ -13118,7 +13931,37 @@
             </a:r>
             <a:r>
               <a:rPr lang="en-US" sz="1800" dirty="0"/>
-              <a:t>the website’s gems.  From the command line type: &gt;bundle update.   The adiwg-mdtranslator gem and all its dependencies will be loaded to your Rails website.  </a:t>
+              <a:t>the website’s gems.  From the command line type: </a:t>
+            </a:r>
+            <a:r>
+              <a:rPr lang="en-US" sz="1800" dirty="0" smtClean="0"/>
+              <a:t/>
+            </a:r>
+            <a:br>
+              <a:rPr lang="en-US" sz="1800" dirty="0" smtClean="0"/>
+            </a:br>
+            <a:r>
+              <a:rPr lang="en-US" sz="1800" dirty="0" smtClean="0"/>
+              <a:t>&gt; bundle </a:t>
+            </a:r>
+            <a:r>
+              <a:rPr lang="en-US" sz="1800" dirty="0"/>
+              <a:t>update.   </a:t>
+            </a:r>
+            <a:r>
+              <a:rPr lang="en-US" sz="1800" dirty="0" smtClean="0"/>
+              <a:t/>
+            </a:r>
+            <a:br>
+              <a:rPr lang="en-US" sz="1800" dirty="0" smtClean="0"/>
+            </a:br>
+            <a:r>
+              <a:rPr lang="en-US" sz="1800" dirty="0" smtClean="0"/>
+              <a:t>The </a:t>
+            </a:r>
+            <a:r>
+              <a:rPr lang="en-US" sz="1800" dirty="0"/>
+              <a:t>adiwg-mdtranslator gem and all its dependencies will be loaded to your Rails website.  </a:t>
             </a:r>
           </a:p>
           <a:p>
@@ -13127,8 +13970,12 @@
               <a:buAutoNum type="arabicPeriod" startAt="16"/>
             </a:pPr>
             <a:r>
+              <a:rPr lang="en-US" sz="1800" dirty="0" smtClean="0"/>
+              <a:t>Remember to restart </a:t>
+            </a:r>
+            <a:r>
               <a:rPr lang="en-US" sz="1800" dirty="0"/>
-              <a:t>Remember, you must restart the Rails server after adding new gems. </a:t>
+              <a:t>the Rails server after adding new gems. </a:t>
             </a:r>
           </a:p>
           <a:p>
@@ -13166,7 +14013,7 @@
                   </a:srgbClr>
                 </a:solidFill>
               </a:rPr>
-              <a:t>5/4/2015</a:t>
+              <a:t>5/6/2015</a:t>
             </a:fld>
             <a:endParaRPr lang="en-US" dirty="0">
               <a:solidFill>
@@ -13265,8 +14112,8 @@
         </p:nvSpPr>
         <p:spPr>
           <a:xfrm>
-            <a:off x="2286000" y="2667000"/>
-            <a:ext cx="4572000" cy="789832"/>
+            <a:off x="1371600" y="2667000"/>
+            <a:ext cx="6400800" cy="469937"/>
           </a:xfrm>
           <a:prstGeom prst="rect">
             <a:avLst/>
@@ -13300,7 +14147,7 @@
               </a:lnSpc>
             </a:pPr>
             <a:r>
-              <a:rPr lang="en-US" sz="1000" i="1" dirty="0">
+              <a:rPr lang="en-US" sz="1100" i="1" dirty="0">
                 <a:solidFill>
                   <a:srgbClr val="BC9458"/>
                 </a:solidFill>
@@ -13311,7 +14158,7 @@
               <a:t># Alaska Data Integration working group metadata translator</a:t>
             </a:r>
             <a:br>
-              <a:rPr lang="en-US" sz="1000" i="1" dirty="0">
+              <a:rPr lang="en-US" sz="1100" i="1" dirty="0">
                 <a:solidFill>
                   <a:srgbClr val="BC9458"/>
                 </a:solidFill>
@@ -13321,7 +14168,7 @@
               </a:rPr>
             </a:br>
             <a:r>
-              <a:rPr lang="en-US" sz="1000" dirty="0">
+              <a:rPr lang="en-US" sz="1100" dirty="0">
                 <a:solidFill>
                   <a:srgbClr val="DA4939"/>
                 </a:solidFill>
@@ -13332,7 +14179,7 @@
               <a:t>gem </a:t>
             </a:r>
             <a:r>
-              <a:rPr lang="en-US" sz="1000" dirty="0">
+              <a:rPr lang="en-US" sz="1100" dirty="0">
                 <a:solidFill>
                   <a:srgbClr val="A5C25C"/>
                 </a:solidFill>
@@ -13343,7 +14190,7 @@
               <a:t>'adiwg-mdtranslator'</a:t>
             </a:r>
             <a:r>
-              <a:rPr lang="en-US" sz="1000" dirty="0">
+              <a:rPr lang="en-US" sz="1100" dirty="0">
                 <a:solidFill>
                   <a:srgbClr val="CC7832"/>
                 </a:solidFill>
@@ -13354,7 +14201,7 @@
               <a:t>, </a:t>
             </a:r>
             <a:r>
-              <a:rPr lang="en-US" sz="1000" dirty="0">
+              <a:rPr lang="en-US" sz="1100" dirty="0">
                 <a:solidFill>
                   <a:srgbClr val="A5C25C"/>
                 </a:solidFill>
@@ -13362,10 +14209,10 @@
                 <a:ea typeface="Calibri"/>
                 <a:cs typeface="Courier New"/>
               </a:rPr>
-              <a:t>'~&gt; 1.0'</a:t>
-            </a:r>
-            <a:br>
-              <a:rPr lang="en-US" sz="1000" dirty="0">
+              <a:t>'~&gt; 1.0</a:t>
+            </a:r>
+            <a:r>
+              <a:rPr lang="en-US" sz="1100" dirty="0" smtClean="0">
                 <a:solidFill>
                   <a:srgbClr val="A5C25C"/>
                 </a:solidFill>
@@ -13373,8 +14220,9 @@
                 <a:ea typeface="Calibri"/>
                 <a:cs typeface="Courier New"/>
               </a:rPr>
-            </a:br>
-            <a:endParaRPr lang="en-US" sz="1000" dirty="0">
+              <a:t>'</a:t>
+            </a:r>
+            <a:endParaRPr lang="en-US" sz="1100" dirty="0">
               <a:effectLst/>
               <a:latin typeface="Calibri"/>
               <a:ea typeface="Calibri"/>
@@ -13435,7 +14283,15 @@
           <a:bodyPr/>
           <a:lstStyle/>
           <a:p>
-            <a:endParaRPr lang="en-US"/>
+            <a:r>
+              <a:rPr lang="en-US" dirty="0"/>
+              <a:t>mdTranslator on Rails </a:t>
+            </a:r>
+            <a:r>
+              <a:rPr lang="en-US" dirty="0" smtClean="0"/>
+              <a:t>12</a:t>
+            </a:r>
+            <a:endParaRPr lang="en-US" dirty="0"/>
           </a:p>
         </p:txBody>
       </p:sp>
@@ -13465,8 +14321,8 @@
               <a:t>Now we need to write a simple script to process the HTTP POST.  </a:t>
             </a:r>
             <a:r>
-              <a:rPr lang="en-US" sz="1800" dirty="0"/>
-              <a:t>Return to the </a:t>
+              <a:rPr lang="en-US" sz="1800" dirty="0" smtClean="0"/>
+              <a:t>In the </a:t>
             </a:r>
             <a:r>
               <a:rPr lang="en-US" sz="1800" dirty="0" smtClean="0"/>
@@ -13481,8 +14337,27 @@
               <a:t> </a:t>
             </a:r>
             <a:r>
+              <a:rPr lang="en-US" sz="1800" dirty="0" smtClean="0"/>
+              <a:t/>
+            </a:r>
+            <a:br>
+              <a:rPr lang="en-US" sz="1800" dirty="0" smtClean="0"/>
+            </a:br>
+            <a:r>
+              <a:rPr lang="en-US" sz="1800" dirty="0" smtClean="0"/>
+              <a:t>file replace </a:t>
+            </a:r>
+            <a:r>
               <a:rPr lang="en-US" sz="1800" dirty="0"/>
-              <a:t>and replace the ‘render inline:’ statement we placed to test the connection and routing with something like this…</a:t>
+              <a:t>the ‘render inline:’ statement we </a:t>
+            </a:r>
+            <a:r>
+              <a:rPr lang="en-US" sz="1800" dirty="0" smtClean="0"/>
+              <a:t>entered to </a:t>
+            </a:r>
+            <a:r>
+              <a:rPr lang="en-US" sz="1800" dirty="0"/>
+              <a:t>test the connection and routing with something like this…</a:t>
             </a:r>
           </a:p>
           <a:p>
@@ -13520,7 +14395,7 @@
                   </a:srgbClr>
                 </a:solidFill>
               </a:rPr>
-              <a:t>5/4/2015</a:t>
+              <a:t>5/6/2015</a:t>
             </a:fld>
             <a:endParaRPr lang="en-US" dirty="0">
               <a:solidFill>
@@ -13619,8 +14494,8 @@
         </p:nvSpPr>
         <p:spPr>
           <a:xfrm>
-            <a:off x="2279904" y="3020168"/>
-            <a:ext cx="4882896" cy="2746906"/>
+            <a:off x="1371600" y="3020168"/>
+            <a:ext cx="6400800" cy="2559227"/>
           </a:xfrm>
           <a:prstGeom prst="rect">
             <a:avLst/>
@@ -14477,7 +15352,7 @@
               </a:rPr>
             </a:br>
             <a:r>
-              <a:rPr lang="en-US" sz="1000" dirty="0">
+              <a:rPr lang="en-US" sz="1000" dirty="0" smtClean="0">
                 <a:solidFill>
                   <a:srgbClr val="CC7833"/>
                 </a:solidFill>
@@ -14488,30 +15363,6 @@
               <a:t>end</a:t>
             </a:r>
             <a:endParaRPr lang="en-US" sz="1000" dirty="0">
-              <a:latin typeface="Calibri"/>
-              <a:ea typeface="Calibri"/>
-              <a:cs typeface="Times New Roman"/>
-            </a:endParaRPr>
-          </a:p>
-          <a:p>
-            <a:pPr>
-              <a:lnSpc>
-                <a:spcPct val="115000"/>
-              </a:lnSpc>
-            </a:pPr>
-            <a:r>
-              <a:rPr lang="en-US" sz="1000" dirty="0">
-                <a:solidFill>
-                  <a:srgbClr val="CC7833"/>
-                </a:solidFill>
-                <a:latin typeface="Lucida Console"/>
-                <a:ea typeface="Calibri"/>
-                <a:cs typeface="Courier New"/>
-              </a:rPr>
-              <a:t> </a:t>
-            </a:r>
-            <a:endParaRPr lang="en-US" sz="1000" dirty="0">
-              <a:effectLst/>
               <a:latin typeface="Calibri"/>
               <a:ea typeface="Calibri"/>
               <a:cs typeface="Times New Roman"/>
@@ -14571,7 +15422,15 @@
           <a:bodyPr/>
           <a:lstStyle/>
           <a:p>
-            <a:endParaRPr lang="en-US"/>
+            <a:r>
+              <a:rPr lang="en-US" dirty="0"/>
+              <a:t>mdTranslator on Rails </a:t>
+            </a:r>
+            <a:r>
+              <a:rPr lang="en-US" dirty="0" smtClean="0"/>
+              <a:t>13</a:t>
+            </a:r>
+            <a:endParaRPr lang="en-US" dirty="0"/>
           </a:p>
         </p:txBody>
       </p:sp>
@@ -14701,7 +15560,7 @@
                   </a:srgbClr>
                 </a:solidFill>
               </a:rPr>
-              <a:t>5/4/2015</a:t>
+              <a:t>5/6/2015</a:t>
             </a:fld>
             <a:endParaRPr lang="en-US" dirty="0">
               <a:solidFill>
@@ -14876,7 +15735,15 @@
           <a:bodyPr/>
           <a:lstStyle/>
           <a:p>
-            <a:endParaRPr lang="en-US"/>
+            <a:r>
+              <a:rPr lang="en-US" dirty="0"/>
+              <a:t>mdTranslator on Rails </a:t>
+            </a:r>
+            <a:r>
+              <a:rPr lang="en-US" dirty="0" smtClean="0"/>
+              <a:t>14</a:t>
+            </a:r>
+            <a:endParaRPr lang="en-US" dirty="0"/>
           </a:p>
         </p:txBody>
       </p:sp>
@@ -14939,7 +15806,7 @@
                   </a:srgbClr>
                 </a:solidFill>
               </a:rPr>
-              <a:t>5/4/2015</a:t>
+              <a:t>5/6/2015</a:t>
             </a:fld>
             <a:endParaRPr lang="en-US" dirty="0">
               <a:solidFill>
@@ -15114,7 +15981,15 @@
           <a:bodyPr/>
           <a:lstStyle/>
           <a:p>
-            <a:endParaRPr lang="en-US"/>
+            <a:r>
+              <a:rPr lang="en-US" dirty="0"/>
+              <a:t>mdTranslator on Rails </a:t>
+            </a:r>
+            <a:r>
+              <a:rPr lang="en-US" dirty="0" smtClean="0"/>
+              <a:t>15</a:t>
+            </a:r>
+            <a:endParaRPr lang="en-US" dirty="0"/>
           </a:p>
         </p:txBody>
       </p:sp>
@@ -15137,20 +16012,20 @@
           <a:p>
             <a:pPr lvl="0"/>
             <a:r>
-              <a:rPr lang="en-US" sz="2000" dirty="0"/>
+              <a:rPr lang="en-US" sz="1800" dirty="0"/>
               <a:t>This ‘non-award winning’ website only demonstrates the simplicity of building a website that can interface with the ADIWG ISO Metadata Toolkit.  A real website would need to be more robust checking for errors, handling all mdTranslator options, and handling all response types returned from the mdTranslator (XML. JSON, </a:t>
             </a:r>
             <a:r>
-              <a:rPr lang="en-US" sz="2000" dirty="0" err="1"/>
+              <a:rPr lang="en-US" sz="1800" dirty="0" err="1"/>
               <a:t>JSONp</a:t>
             </a:r>
             <a:r>
-              <a:rPr lang="en-US" sz="2000" dirty="0"/>
+              <a:rPr lang="en-US" sz="1800" dirty="0"/>
               <a:t>, text, plain).  But it’s a start.</a:t>
             </a:r>
           </a:p>
           <a:p>
-            <a:endParaRPr lang="en-US" sz="2000" dirty="0"/>
+            <a:endParaRPr lang="en-US" sz="1800" dirty="0"/>
           </a:p>
         </p:txBody>
       </p:sp>
@@ -15180,7 +16055,7 @@
                   </a:srgbClr>
                 </a:solidFill>
               </a:rPr>
-              <a:t>5/4/2015</a:t>
+              <a:t>5/6/2015</a:t>
             </a:fld>
             <a:endParaRPr lang="en-US" dirty="0">
               <a:solidFill>
@@ -15357,7 +16232,7 @@
                   </a:srgbClr>
                 </a:solidFill>
               </a:rPr>
-              <a:t>5/4/2015</a:t>
+              <a:t>5/6/2015</a:t>
             </a:fld>
             <a:endParaRPr lang="en-US" dirty="0">
               <a:solidFill>
@@ -15532,7 +16407,11 @@
           <a:bodyPr/>
           <a:lstStyle/>
           <a:p>
-            <a:endParaRPr lang="en-US"/>
+            <a:r>
+              <a:rPr lang="en-US" dirty="0" smtClean="0"/>
+              <a:t>mdTranslator on Rails 1</a:t>
+            </a:r>
+            <a:endParaRPr lang="en-US" dirty="0"/>
           </a:p>
         </p:txBody>
       </p:sp>
@@ -15546,7 +16425,12 @@
             <p:ph idx="1"/>
           </p:nvPr>
         </p:nvSpPr>
-        <p:spPr/>
+        <p:spPr>
+          <a:xfrm>
+            <a:off x="457200" y="1600200"/>
+            <a:ext cx="8229600" cy="4267200"/>
+          </a:xfrm>
+        </p:spPr>
         <p:txBody>
           <a:bodyPr>
             <a:normAutofit/>
@@ -15570,7 +16454,22 @@
             </a:pPr>
             <a:r>
               <a:rPr lang="en-US" sz="1800" dirty="0" smtClean="0"/>
-              <a:t>Generate the new rails application.  Type: &gt; rails </a:t>
+              <a:t>Generate the new rails application.  </a:t>
+            </a:r>
+            <a:r>
+              <a:rPr lang="en-US" sz="1800" dirty="0" smtClean="0"/>
+              <a:t/>
+            </a:r>
+            <a:br>
+              <a:rPr lang="en-US" sz="1800" dirty="0" smtClean="0"/>
+            </a:br>
+            <a:r>
+              <a:rPr lang="en-US" sz="1800" dirty="0" smtClean="0"/>
+              <a:t>&gt; </a:t>
+            </a:r>
+            <a:r>
+              <a:rPr lang="en-US" sz="1800" dirty="0" smtClean="0"/>
+              <a:t>rails </a:t>
             </a:r>
             <a:r>
               <a:rPr lang="en-US" sz="1800" dirty="0"/>
@@ -15584,8 +16483,13 @@
             </a:pPr>
             <a:r>
               <a:rPr lang="en-US" sz="1800" dirty="0" smtClean="0"/>
-              <a:t>A new directory named ‘translator’ will be created to hold the Rails application. </a:t>
-            </a:r>
+              <a:t>A new directory named ‘translator’ will be created </a:t>
+            </a:r>
+            <a:r>
+              <a:rPr lang="en-US" sz="1800" dirty="0" smtClean="0"/>
+              <a:t>and filled with the new Rails application modules. </a:t>
+            </a:r>
+            <a:endParaRPr lang="en-US" sz="1800" dirty="0" smtClean="0"/>
           </a:p>
           <a:p>
             <a:pPr lvl="0">
@@ -15609,14 +16513,52 @@
             <a:pPr lvl="1"/>
             <a:r>
               <a:rPr lang="en-US" sz="1600" dirty="0" smtClean="0"/>
-              <a:t>Change directory to the Rails application just created &gt; cd translator</a:t>
+              <a:t>Change </a:t>
+            </a:r>
+            <a:r>
+              <a:rPr lang="en-US" sz="1600" dirty="0" smtClean="0"/>
+              <a:t>the directory </a:t>
+            </a:r>
+            <a:r>
+              <a:rPr lang="en-US" sz="1600" dirty="0" smtClean="0"/>
+              <a:t>to the Rails application just created </a:t>
+            </a:r>
+            <a:r>
+              <a:rPr lang="en-US" sz="1600" dirty="0" smtClean="0"/>
+              <a:t/>
+            </a:r>
+            <a:br>
+              <a:rPr lang="en-US" sz="1600" dirty="0" smtClean="0"/>
+            </a:br>
+            <a:r>
+              <a:rPr lang="en-US" sz="1600" dirty="0" smtClean="0"/>
+              <a:t>&gt; </a:t>
+            </a:r>
+            <a:r>
+              <a:rPr lang="en-US" sz="1600" dirty="0" smtClean="0"/>
+              <a:t>cd translator</a:t>
             </a:r>
           </a:p>
           <a:p>
             <a:pPr lvl="1"/>
             <a:r>
               <a:rPr lang="en-US" sz="1600" dirty="0" smtClean="0"/>
-              <a:t>Start the Rails server.  Type: &gt; rails server</a:t>
+              <a:t>Start the Rails server. </a:t>
+            </a:r>
+            <a:r>
+              <a:rPr lang="en-US" sz="1600" dirty="0" smtClean="0"/>
+              <a:t/>
+            </a:r>
+            <a:br>
+              <a:rPr lang="en-US" sz="1600" dirty="0" smtClean="0"/>
+            </a:br>
+            <a:r>
+              <a:rPr lang="en-US" sz="1600" dirty="0" smtClean="0"/>
+              <a:t>&gt; </a:t>
+            </a:r>
+            <a:r>
+              <a:rPr lang="en-US" sz="1600" dirty="0" smtClean="0"/>
+              <a:t>rails server</a:t>
             </a:r>
           </a:p>
           <a:p>
@@ -15637,7 +16579,11 @@
             <a:pPr lvl="1"/>
             <a:r>
               <a:rPr lang="en-US" sz="1600" dirty="0" smtClean="0"/>
-              <a:t>You should see the ‘Welcome aboard’ page.</a:t>
+              <a:t>You should see the ‘Welcome aboard’ </a:t>
+            </a:r>
+            <a:r>
+              <a:rPr lang="en-US" sz="1600" dirty="0" smtClean="0"/>
+              <a:t>page. </a:t>
             </a:r>
             <a:endParaRPr lang="en-US" sz="1600" dirty="0"/>
           </a:p>
@@ -15669,7 +16615,7 @@
                   </a:srgbClr>
                 </a:solidFill>
               </a:rPr>
-              <a:t>5/4/2015</a:t>
+              <a:t>5/6/2015</a:t>
             </a:fld>
             <a:endParaRPr lang="en-US" dirty="0">
               <a:solidFill>
@@ -15812,7 +16758,15 @@
           <a:bodyPr/>
           <a:lstStyle/>
           <a:p>
-            <a:endParaRPr lang="en-US"/>
+            <a:r>
+              <a:rPr lang="en-US" dirty="0"/>
+              <a:t>mdTranslator on Rails </a:t>
+            </a:r>
+            <a:r>
+              <a:rPr lang="en-US" dirty="0" smtClean="0"/>
+              <a:t>2</a:t>
+            </a:r>
+            <a:endParaRPr lang="en-US" dirty="0"/>
           </a:p>
         </p:txBody>
       </p:sp>
@@ -15847,26 +16801,26 @@
             </a:r>
             <a:r>
               <a:rPr lang="en-US" sz="1800" dirty="0"/>
-              <a:t>page using Rails helpers. </a:t>
+              <a:t>page using </a:t>
             </a:r>
             <a:r>
               <a:rPr lang="en-US" sz="1800" dirty="0" smtClean="0"/>
-              <a:t> </a:t>
+              <a:t>a Rails helper.  </a:t>
+            </a:r>
+            <a:r>
+              <a:rPr lang="en-US" sz="1800" dirty="0" smtClean="0"/>
+              <a:t/>
             </a:r>
             <a:br>
               <a:rPr lang="en-US" sz="1800" dirty="0" smtClean="0"/>
             </a:br>
             <a:r>
               <a:rPr lang="en-US" sz="1800" dirty="0" smtClean="0"/>
-              <a:t>Type</a:t>
-            </a:r>
-            <a:r>
-              <a:rPr lang="en-US" sz="1800" dirty="0"/>
-              <a:t>: </a:t>
+              <a:t>&gt; </a:t>
             </a:r>
             <a:r>
               <a:rPr lang="en-US" sz="1800" dirty="0" smtClean="0"/>
-              <a:t>&gt; rails </a:t>
+              <a:t>rails </a:t>
             </a:r>
             <a:r>
               <a:rPr lang="en-US" sz="1800" dirty="0"/>
@@ -15884,7 +16838,11 @@
             </a:r>
             <a:r>
               <a:rPr lang="en-US" sz="1800" dirty="0" smtClean="0"/>
-              <a:t>that Rails generated…  </a:t>
+              <a:t>that Rails </a:t>
+            </a:r>
+            <a:r>
+              <a:rPr lang="en-US" sz="1800" dirty="0" smtClean="0"/>
+              <a:t>generated for you …  </a:t>
             </a:r>
             <a:r>
               <a:rPr lang="en-US" sz="1800" dirty="0">
@@ -15932,7 +16890,7 @@
                   </a:srgbClr>
                 </a:solidFill>
               </a:rPr>
-              <a:t>5/4/2015</a:t>
+              <a:t>5/6/2015</a:t>
             </a:fld>
             <a:endParaRPr lang="en-US" dirty="0">
               <a:solidFill>
@@ -16106,7 +17064,15 @@
           <a:bodyPr/>
           <a:lstStyle/>
           <a:p>
-            <a:endParaRPr lang="en-US"/>
+            <a:r>
+              <a:rPr lang="en-US" dirty="0"/>
+              <a:t>mdTranslator on Rails </a:t>
+            </a:r>
+            <a:r>
+              <a:rPr lang="en-US" dirty="0" smtClean="0"/>
+              <a:t>3</a:t>
+            </a:r>
+            <a:endParaRPr lang="en-US" dirty="0"/>
           </a:p>
         </p:txBody>
       </p:sp>
@@ -16132,8 +17098,32 @@
               <a:buAutoNum type="arabicPeriod" startAt="7"/>
             </a:pPr>
             <a:r>
+              <a:rPr lang="en-US" sz="1800" dirty="0" smtClean="0"/>
+              <a:t>Next s</a:t>
+            </a:r>
+            <a:r>
+              <a:rPr lang="en-US" sz="1800" dirty="0" smtClean="0"/>
+              <a:t>et </a:t>
+            </a:r>
+            <a:r>
               <a:rPr lang="en-US" sz="1800" dirty="0"/>
-              <a:t>Set the index page as the default page for this website.  </a:t>
+              <a:t>the </a:t>
+            </a:r>
+            <a:r>
+              <a:rPr lang="en-US" sz="1800" dirty="0" smtClean="0"/>
+              <a:t>‘index’ </a:t>
+            </a:r>
+            <a:r>
+              <a:rPr lang="en-US" sz="1800" dirty="0"/>
+              <a:t>page as the default page for </a:t>
+            </a:r>
+            <a:r>
+              <a:rPr lang="en-US" sz="1800" dirty="0" smtClean="0"/>
+              <a:t>the website</a:t>
+            </a:r>
+            <a:r>
+              <a:rPr lang="en-US" sz="1800" dirty="0"/>
+              <a:t>.  </a:t>
             </a:r>
             <a:r>
               <a:rPr lang="en-US" sz="1800" dirty="0" smtClean="0"/>
@@ -16152,27 +17142,45 @@
             </a:r>
             <a:r>
               <a:rPr lang="en-US" sz="1800" dirty="0" smtClean="0"/>
-              <a:t>../</a:t>
-            </a:r>
-            <a:r>
-              <a:rPr lang="en-US" sz="1800" dirty="0" err="1" smtClean="0"/>
+              <a:t/>
+            </a:r>
+            <a:br>
+              <a:rPr lang="en-US" sz="1800" dirty="0" smtClean="0"/>
+            </a:br>
+            <a:r>
+              <a:rPr lang="en-US" sz="1800" i="1" dirty="0" smtClean="0"/>
+              <a:t>.../</a:t>
+            </a:r>
+            <a:r>
+              <a:rPr lang="en-US" sz="1800" i="1" dirty="0" err="1" smtClean="0"/>
               <a:t>config</a:t>
             </a:r>
             <a:r>
+              <a:rPr lang="en-US" sz="1800" i="1" dirty="0" smtClean="0"/>
+              <a:t>/</a:t>
+            </a:r>
+            <a:r>
+              <a:rPr lang="en-US" sz="1800" i="1" dirty="0" err="1" smtClean="0"/>
+              <a:t>routes.rb</a:t>
+            </a:r>
+            <a:r>
+              <a:rPr lang="en-US" sz="1800" i="1" dirty="0" smtClean="0"/>
+              <a:t> </a:t>
+            </a:r>
+            <a:r>
               <a:rPr lang="en-US" sz="1800" dirty="0" smtClean="0"/>
-              <a:t>/</a:t>
-            </a:r>
-            <a:r>
-              <a:rPr lang="en-US" sz="1800" dirty="0" err="1" smtClean="0"/>
-              <a:t>routes.rb</a:t>
-            </a:r>
-            <a:r>
+              <a:t/>
+            </a:r>
+            <a:br>
               <a:rPr lang="en-US" sz="1800" dirty="0" smtClean="0"/>
-              <a:t> </a:t>
+            </a:br>
+            <a:r>
+              <a:rPr lang="en-US" sz="1800" dirty="0" smtClean="0"/>
+              <a:t>file set </a:t>
             </a:r>
             <a:r>
               <a:rPr lang="en-US" sz="1800" dirty="0"/>
-              <a:t>file add a line to set the root to ‘</a:t>
+              <a:t>the root to ‘</a:t>
             </a:r>
             <a:r>
               <a:rPr lang="en-US" sz="1800" dirty="0" err="1"/>
@@ -16182,7 +17190,6 @@
               <a:rPr lang="en-US" sz="1800" dirty="0"/>
               <a:t>’. </a:t>
             </a:r>
-            <a:endParaRPr lang="en-US" sz="1800" dirty="0"/>
           </a:p>
         </p:txBody>
       </p:sp>
@@ -16212,7 +17219,7 @@
                   </a:srgbClr>
                 </a:solidFill>
               </a:rPr>
-              <a:t>5/4/2015</a:t>
+              <a:t>5/6/2015</a:t>
             </a:fld>
             <a:endParaRPr lang="en-US" dirty="0">
               <a:solidFill>
@@ -16311,8 +17318,8 @@
         </p:nvSpPr>
         <p:spPr>
           <a:xfrm>
-            <a:off x="1905000" y="2895600"/>
-            <a:ext cx="4876800" cy="612540"/>
+            <a:off x="1371600" y="2971800"/>
+            <a:ext cx="6400800" cy="676339"/>
           </a:xfrm>
           <a:prstGeom prst="rect">
             <a:avLst/>
@@ -16346,7 +17353,7 @@
               </a:lnSpc>
             </a:pPr>
             <a:r>
-              <a:rPr lang="en-US" sz="1000" dirty="0" err="1">
+              <a:rPr lang="en-US" sz="1100" dirty="0" err="1">
                 <a:solidFill>
                   <a:srgbClr val="DA4939"/>
                 </a:solidFill>
@@ -16357,7 +17364,7 @@
               <a:t>Rails</a:t>
             </a:r>
             <a:r>
-              <a:rPr lang="en-US" sz="1000" dirty="0" err="1">
+              <a:rPr lang="en-US" sz="1100" dirty="0" err="1">
                 <a:solidFill>
                   <a:srgbClr val="A9B7C6"/>
                 </a:solidFill>
@@ -16368,7 +17375,7 @@
               <a:t>.application.routes.draw</a:t>
             </a:r>
             <a:r>
-              <a:rPr lang="en-US" sz="1000" dirty="0">
+              <a:rPr lang="en-US" sz="1100" dirty="0">
                 <a:solidFill>
                   <a:srgbClr val="A9B7C6"/>
                 </a:solidFill>
@@ -16379,7 +17386,7 @@
               <a:t> </a:t>
             </a:r>
             <a:r>
-              <a:rPr lang="en-US" sz="1000" dirty="0">
+              <a:rPr lang="en-US" sz="1100" dirty="0">
                 <a:solidFill>
                   <a:srgbClr val="CC7833"/>
                 </a:solidFill>
@@ -16390,7 +17397,7 @@
               <a:t>do</a:t>
             </a:r>
             <a:br>
-              <a:rPr lang="en-US" sz="1000" dirty="0">
+              <a:rPr lang="en-US" sz="1100" dirty="0">
                 <a:solidFill>
                   <a:srgbClr val="CC7833"/>
                 </a:solidFill>
@@ -16400,7 +17407,7 @@
               </a:rPr>
             </a:br>
             <a:r>
-              <a:rPr lang="en-US" sz="1000" dirty="0">
+              <a:rPr lang="en-US" sz="1100" dirty="0">
                 <a:solidFill>
                   <a:srgbClr val="CC7833"/>
                 </a:solidFill>
@@ -16411,7 +17418,7 @@
               <a:t>   </a:t>
             </a:r>
             <a:r>
-              <a:rPr lang="en-US" sz="1000" i="1" dirty="0">
+              <a:rPr lang="en-US" sz="1100" i="1" dirty="0">
                 <a:solidFill>
                   <a:srgbClr val="FFC66D"/>
                 </a:solidFill>
@@ -16422,7 +17429,7 @@
               <a:t>get </a:t>
             </a:r>
             <a:r>
-              <a:rPr lang="en-US" sz="1000" dirty="0">
+              <a:rPr lang="en-US" sz="1100" dirty="0">
                 <a:solidFill>
                   <a:srgbClr val="A5C25C"/>
                 </a:solidFill>
@@ -16433,7 +17440,7 @@
               <a:t>'translate/index'</a:t>
             </a:r>
             <a:br>
-              <a:rPr lang="en-US" sz="1000" dirty="0">
+              <a:rPr lang="en-US" sz="1100" dirty="0">
                 <a:solidFill>
                   <a:srgbClr val="A5C25C"/>
                 </a:solidFill>
@@ -16443,7 +17450,7 @@
               </a:rPr>
             </a:br>
             <a:r>
-              <a:rPr lang="en-US" sz="1000" dirty="0">
+              <a:rPr lang="en-US" sz="1100" dirty="0">
                 <a:solidFill>
                   <a:srgbClr val="A5C25C"/>
                 </a:solidFill>
@@ -16454,7 +17461,7 @@
               <a:t>   </a:t>
             </a:r>
             <a:r>
-              <a:rPr lang="en-US" sz="1000" i="1" dirty="0">
+              <a:rPr lang="en-US" sz="1100" i="1" dirty="0">
                 <a:solidFill>
                   <a:srgbClr val="FFC66D"/>
                 </a:solidFill>
@@ -16465,7 +17472,7 @@
               <a:t>root </a:t>
             </a:r>
             <a:r>
-              <a:rPr lang="en-US" sz="1000" dirty="0">
+              <a:rPr lang="en-US" sz="1100" dirty="0">
                 <a:solidFill>
                   <a:srgbClr val="A5C25C"/>
                 </a:solidFill>
@@ -16476,7 +17483,7 @@
               <a:t>'</a:t>
             </a:r>
             <a:r>
-              <a:rPr lang="en-US" sz="1000" dirty="0" err="1">
+              <a:rPr lang="en-US" sz="1100" dirty="0" err="1">
                 <a:solidFill>
                   <a:srgbClr val="A5C25C"/>
                 </a:solidFill>
@@ -16487,7 +17494,7 @@
               <a:t>translate#index</a:t>
             </a:r>
             <a:r>
-              <a:rPr lang="en-US" sz="1000" dirty="0">
+              <a:rPr lang="en-US" sz="1100" dirty="0">
                 <a:solidFill>
                   <a:srgbClr val="A5C25C"/>
                 </a:solidFill>
@@ -16497,7 +17504,7 @@
               </a:rPr>
               <a:t>'</a:t>
             </a:r>
-            <a:endParaRPr lang="en-US" sz="1000" dirty="0">
+            <a:endParaRPr lang="en-US" sz="1100" dirty="0">
               <a:effectLst/>
               <a:latin typeface="Calibri"/>
               <a:ea typeface="Calibri"/>
@@ -16558,7 +17565,15 @@
           <a:bodyPr/>
           <a:lstStyle/>
           <a:p>
-            <a:endParaRPr lang="en-US"/>
+            <a:r>
+              <a:rPr lang="en-US" dirty="0"/>
+              <a:t>mdTranslator on Rails </a:t>
+            </a:r>
+            <a:r>
+              <a:rPr lang="en-US" dirty="0" smtClean="0"/>
+              <a:t>4</a:t>
+            </a:r>
+            <a:endParaRPr lang="en-US" dirty="0"/>
           </a:p>
         </p:txBody>
       </p:sp>
@@ -16589,12 +17604,13 @@
             </a:r>
             <a:r>
               <a:rPr lang="en-US" sz="1800" dirty="0" smtClean="0"/>
-              <a:t>will show </a:t>
-            </a:r>
-            <a:r>
-              <a:rPr lang="en-US" sz="1800" dirty="0"/>
-              <a:t>at root.</a:t>
-            </a:r>
+              <a:t>will </a:t>
+            </a:r>
+            <a:r>
+              <a:rPr lang="en-US" sz="1800" dirty="0" smtClean="0"/>
+              <a:t>display at root rather than ‘Welcome aboard’.</a:t>
+            </a:r>
+            <a:endParaRPr lang="en-US" sz="1800" dirty="0"/>
           </a:p>
           <a:p>
             <a:pPr>
@@ -16631,7 +17647,7 @@
                   </a:srgbClr>
                 </a:solidFill>
               </a:rPr>
-              <a:t>5/4/2015</a:t>
+              <a:t>5/6/2015</a:t>
             </a:fld>
             <a:endParaRPr lang="en-US" dirty="0">
               <a:solidFill>
@@ -16805,7 +17821,15 @@
           <a:bodyPr/>
           <a:lstStyle/>
           <a:p>
-            <a:endParaRPr lang="en-US"/>
+            <a:r>
+              <a:rPr lang="en-US" dirty="0"/>
+              <a:t>mdTranslator on Rails </a:t>
+            </a:r>
+            <a:r>
+              <a:rPr lang="en-US" dirty="0" smtClean="0"/>
+              <a:t>5</a:t>
+            </a:r>
+            <a:endParaRPr lang="en-US" dirty="0"/>
           </a:p>
         </p:txBody>
       </p:sp>
@@ -16831,18 +17855,47 @@
               <a:buAutoNum type="arabicPeriod" startAt="9"/>
             </a:pPr>
             <a:r>
+              <a:rPr lang="en-US" sz="1800" dirty="0" smtClean="0"/>
+              <a:t>Code a </a:t>
+            </a:r>
+            <a:r>
               <a:rPr lang="en-US" sz="1800" dirty="0"/>
-              <a:t>Add a simple HTML form into the app/views/translate/</a:t>
-            </a:r>
-            <a:r>
-              <a:rPr lang="en-US" sz="1800" dirty="0" err="1"/>
+              <a:t>simple HTML form </a:t>
+            </a:r>
+            <a:r>
+              <a:rPr lang="en-US" sz="1800" dirty="0" smtClean="0"/>
+              <a:t>in the file </a:t>
+            </a:r>
+            <a:br>
+              <a:rPr lang="en-US" sz="1800" dirty="0" smtClean="0"/>
+            </a:br>
+            <a:r>
+              <a:rPr lang="en-US" sz="1800" i="1" dirty="0" smtClean="0"/>
+              <a:t>…/app/views/translate/</a:t>
+            </a:r>
+            <a:r>
+              <a:rPr lang="en-US" sz="1800" i="1" dirty="0" err="1" smtClean="0"/>
               <a:t>index.html.erb</a:t>
             </a:r>
             <a:r>
+              <a:rPr lang="en-US" sz="1800" i="1" dirty="0" smtClean="0"/>
+              <a:t> </a:t>
+            </a:r>
+            <a:r>
+              <a:rPr lang="en-US" sz="1800" dirty="0" smtClean="0"/>
+              <a:t/>
+            </a:r>
+            <a:br>
+              <a:rPr lang="en-US" sz="1800" dirty="0" smtClean="0"/>
+            </a:br>
+            <a:r>
+              <a:rPr lang="en-US" sz="1800" dirty="0" smtClean="0"/>
+              <a:t>replacing </a:t>
+            </a:r>
+            <a:r>
               <a:rPr lang="en-US" sz="1800" dirty="0"/>
-              <a:t> file replacing all the Rails generated code. </a:t>
-            </a:r>
-            <a:endParaRPr lang="en-US" sz="1800" dirty="0"/>
+              <a:t>all the Rails generated code. </a:t>
+            </a:r>
           </a:p>
         </p:txBody>
       </p:sp>
@@ -16872,7 +17925,7 @@
                   </a:srgbClr>
                 </a:solidFill>
               </a:rPr>
-              <a:t>5/4/2015</a:t>
+              <a:t>5/6/2015</a:t>
             </a:fld>
             <a:endParaRPr lang="en-US" dirty="0">
               <a:solidFill>
@@ -17045,7 +18098,7 @@
                   </a:srgbClr>
                 </a:solidFill>
               </a:rPr>
-              <a:t>5/4/2015</a:t>
+              <a:t>5/6/2015</a:t>
             </a:fld>
             <a:endParaRPr lang="en-US" dirty="0">
               <a:solidFill>
@@ -17085,13 +18138,6 @@
               </a:rPr>
               <a:t>www.adiwg.org</a:t>
             </a:r>
-            <a:endParaRPr lang="en-US" dirty="0" smtClean="0">
-              <a:solidFill>
-                <a:srgbClr val="04617B">
-                  <a:shade val="90000"/>
-                </a:srgbClr>
-              </a:solidFill>
-            </a:endParaRPr>
           </a:p>
         </p:txBody>
       </p:sp>
@@ -17144,8 +18190,8 @@
         </p:nvSpPr>
         <p:spPr>
           <a:xfrm>
-            <a:off x="1600200" y="228600"/>
-            <a:ext cx="5562600" cy="5940088"/>
+            <a:off x="1371600" y="228600"/>
+            <a:ext cx="6400800" cy="6070893"/>
           </a:xfrm>
           <a:prstGeom prst="rect">
             <a:avLst/>
@@ -17174,7 +18220,7 @@
           <a:lstStyle/>
           <a:p>
             <a:r>
-              <a:rPr lang="en-US" sz="1000" i="1" dirty="0">
+              <a:rPr lang="en-US" sz="1050" i="1" dirty="0">
                 <a:solidFill>
                   <a:srgbClr val="BC9458"/>
                 </a:solidFill>
@@ -17185,7 +18231,7 @@
               <a:t>&lt;!--</a:t>
             </a:r>
             <a:br>
-              <a:rPr lang="en-US" sz="1000" i="1" dirty="0">
+              <a:rPr lang="en-US" sz="1050" i="1" dirty="0">
                 <a:solidFill>
                   <a:srgbClr val="BC9458"/>
                 </a:solidFill>
@@ -17195,7 +18241,7 @@
               </a:rPr>
             </a:br>
             <a:r>
-              <a:rPr lang="en-US" sz="1000" i="1" dirty="0">
+              <a:rPr lang="en-US" sz="1050" i="1" dirty="0">
                 <a:solidFill>
                   <a:srgbClr val="BC9458"/>
                 </a:solidFill>
@@ -17206,7 +18252,7 @@
               <a:t># Alaska Data Integration working group - ADIwg</a:t>
             </a:r>
             <a:br>
-              <a:rPr lang="en-US" sz="1000" i="1" dirty="0">
+              <a:rPr lang="en-US" sz="1050" i="1" dirty="0">
                 <a:solidFill>
                   <a:srgbClr val="BC9458"/>
                 </a:solidFill>
@@ -17216,7 +18262,7 @@
               </a:rPr>
             </a:br>
             <a:r>
-              <a:rPr lang="en-US" sz="1000" i="1" dirty="0">
+              <a:rPr lang="en-US" sz="1050" i="1" dirty="0">
                 <a:solidFill>
                   <a:srgbClr val="BC9458"/>
                 </a:solidFill>
@@ -17227,7 +18273,7 @@
               <a:t/>
             </a:r>
             <a:br>
-              <a:rPr lang="en-US" sz="1000" i="1" dirty="0">
+              <a:rPr lang="en-US" sz="1050" i="1" dirty="0">
                 <a:solidFill>
                   <a:srgbClr val="BC9458"/>
                 </a:solidFill>
@@ -17237,7 +18283,7 @@
               </a:rPr>
             </a:br>
             <a:r>
-              <a:rPr lang="en-US" sz="1000" i="1" dirty="0">
+              <a:rPr lang="en-US" sz="1050" i="1" dirty="0">
                 <a:solidFill>
                   <a:srgbClr val="BC9458"/>
                 </a:solidFill>
@@ -17248,7 +18294,7 @@
               <a:t># REST endpoint controller for demonstration of mdTranslator</a:t>
             </a:r>
             <a:br>
-              <a:rPr lang="en-US" sz="1000" i="1" dirty="0">
+              <a:rPr lang="en-US" sz="1050" i="1" dirty="0">
                 <a:solidFill>
                   <a:srgbClr val="BC9458"/>
                 </a:solidFill>
@@ -17258,7 +18304,7 @@
               </a:rPr>
             </a:br>
             <a:r>
-              <a:rPr lang="en-US" sz="1000" i="1" dirty="0">
+              <a:rPr lang="en-US" sz="1050" i="1" dirty="0">
                 <a:solidFill>
                   <a:srgbClr val="BC9458"/>
                 </a:solidFill>
@@ -17269,7 +18315,7 @@
               <a:t>--&gt;</a:t>
             </a:r>
             <a:br>
-              <a:rPr lang="en-US" sz="1000" i="1" dirty="0">
+              <a:rPr lang="en-US" sz="1050" i="1" dirty="0">
                 <a:solidFill>
                   <a:srgbClr val="BC9458"/>
                 </a:solidFill>
@@ -17279,7 +18325,7 @@
               </a:rPr>
             </a:br>
             <a:r>
-              <a:rPr lang="en-US" sz="1000" i="1" dirty="0">
+              <a:rPr lang="en-US" sz="1050" i="1" dirty="0">
                 <a:solidFill>
                   <a:srgbClr val="BC9458"/>
                 </a:solidFill>
@@ -17290,7 +18336,7 @@
               <a:t/>
             </a:r>
             <a:br>
-              <a:rPr lang="en-US" sz="1000" i="1" dirty="0">
+              <a:rPr lang="en-US" sz="1050" i="1" dirty="0">
                 <a:solidFill>
                   <a:srgbClr val="BC9458"/>
                 </a:solidFill>
@@ -17300,7 +18346,7 @@
               </a:rPr>
             </a:br>
             <a:r>
-              <a:rPr lang="en-US" sz="1000" dirty="0">
+              <a:rPr lang="en-US" sz="1050" dirty="0">
                 <a:solidFill>
                   <a:srgbClr val="E8BF6A"/>
                 </a:solidFill>
@@ -17311,7 +18357,7 @@
               <a:t>&lt;h2&gt; </a:t>
             </a:r>
             <a:r>
-              <a:rPr lang="en-US" sz="1000" dirty="0">
+              <a:rPr lang="en-US" sz="1050" dirty="0">
                 <a:solidFill>
                   <a:srgbClr val="A9B7C6"/>
                 </a:solidFill>
@@ -17322,7 +18368,7 @@
               <a:t>mdTranslator Rails example</a:t>
             </a:r>
             <a:r>
-              <a:rPr lang="en-US" sz="1000" dirty="0">
+              <a:rPr lang="en-US" sz="1050" dirty="0">
                 <a:solidFill>
                   <a:srgbClr val="E8BF6A"/>
                 </a:solidFill>
@@ -17333,7 +18379,7 @@
               <a:t>&lt;/h2&gt;</a:t>
             </a:r>
             <a:br>
-              <a:rPr lang="en-US" sz="1000" dirty="0">
+              <a:rPr lang="en-US" sz="1050" dirty="0">
                 <a:solidFill>
                   <a:srgbClr val="E8BF6A"/>
                 </a:solidFill>
@@ -17343,7 +18389,7 @@
               </a:rPr>
             </a:br>
             <a:r>
-              <a:rPr lang="en-US" sz="1000" dirty="0">
+              <a:rPr lang="en-US" sz="1050" dirty="0">
                 <a:solidFill>
                   <a:srgbClr val="E8BF6A"/>
                 </a:solidFill>
@@ -17354,7 +18400,7 @@
               <a:t/>
             </a:r>
             <a:br>
-              <a:rPr lang="en-US" sz="1000" dirty="0">
+              <a:rPr lang="en-US" sz="1050" dirty="0">
                 <a:solidFill>
                   <a:srgbClr val="E8BF6A"/>
                 </a:solidFill>
@@ -17364,7 +18410,7 @@
               </a:rPr>
             </a:br>
             <a:r>
-              <a:rPr lang="en-US" sz="1000" dirty="0">
+              <a:rPr lang="en-US" sz="1050" dirty="0">
                 <a:solidFill>
                   <a:srgbClr val="E8BF6A"/>
                 </a:solidFill>
@@ -17375,7 +18421,7 @@
               <a:t>&lt;div id=</a:t>
             </a:r>
             <a:r>
-              <a:rPr lang="en-US" sz="1000" dirty="0">
+              <a:rPr lang="en-US" sz="1050" dirty="0">
                 <a:solidFill>
                   <a:srgbClr val="A5C261"/>
                 </a:solidFill>
@@ -17386,7 +18432,7 @@
               <a:t>"</a:t>
             </a:r>
             <a:r>
-              <a:rPr lang="en-US" sz="1000" dirty="0" err="1">
+              <a:rPr lang="en-US" sz="1050" dirty="0" err="1">
                 <a:solidFill>
                   <a:srgbClr val="A5C261"/>
                 </a:solidFill>
@@ -17397,7 +18443,7 @@
               <a:t>form_container</a:t>
             </a:r>
             <a:r>
-              <a:rPr lang="en-US" sz="1000" dirty="0">
+              <a:rPr lang="en-US" sz="1050" dirty="0">
                 <a:solidFill>
                   <a:srgbClr val="A5C261"/>
                 </a:solidFill>
@@ -17408,7 +18454,7 @@
               <a:t>"</a:t>
             </a:r>
             <a:r>
-              <a:rPr lang="en-US" sz="1000" dirty="0">
+              <a:rPr lang="en-US" sz="1050" dirty="0">
                 <a:solidFill>
                   <a:srgbClr val="E8BF6A"/>
                 </a:solidFill>
@@ -17419,7 +18465,7 @@
               <a:t>&gt;</a:t>
             </a:r>
             <a:br>
-              <a:rPr lang="en-US" sz="1000" dirty="0">
+              <a:rPr lang="en-US" sz="1050" dirty="0">
                 <a:solidFill>
                   <a:srgbClr val="E8BF6A"/>
                 </a:solidFill>
@@ -17429,7 +18475,7 @@
               </a:rPr>
             </a:br>
             <a:r>
-              <a:rPr lang="en-US" sz="1000" dirty="0">
+              <a:rPr lang="en-US" sz="1050" dirty="0">
                 <a:solidFill>
                   <a:srgbClr val="E8BF6A"/>
                 </a:solidFill>
@@ -17440,7 +18486,7 @@
               <a:t>   </a:t>
             </a:r>
             <a:r>
-              <a:rPr lang="en-US" sz="1000" dirty="0">
+              <a:rPr lang="en-US" sz="1050" dirty="0">
                 <a:solidFill>
                   <a:srgbClr val="A9B7C6"/>
                 </a:solidFill>
@@ -17451,7 +18497,7 @@
               <a:t>&lt;%= </a:t>
             </a:r>
             <a:r>
-              <a:rPr lang="en-US" sz="1000" i="1" dirty="0" err="1">
+              <a:rPr lang="en-US" sz="1050" i="1" dirty="0" err="1">
                 <a:solidFill>
                   <a:srgbClr val="FFC66D"/>
                 </a:solidFill>
@@ -17462,7 +18508,7 @@
               <a:t>form_tag</a:t>
             </a:r>
             <a:r>
-              <a:rPr lang="en-US" sz="1000" dirty="0">
+              <a:rPr lang="en-US" sz="1050" dirty="0">
                 <a:solidFill>
                   <a:srgbClr val="A9B7C6"/>
                 </a:solidFill>
@@ -17473,7 +18519,7 @@
               <a:t>(</a:t>
             </a:r>
             <a:r>
-              <a:rPr lang="en-US" sz="1000" dirty="0">
+              <a:rPr lang="en-US" sz="1050" dirty="0">
                 <a:solidFill>
                   <a:srgbClr val="A5C25C"/>
                 </a:solidFill>
@@ -17484,7 +18530,7 @@
               <a:t>'/translate'</a:t>
             </a:r>
             <a:r>
-              <a:rPr lang="en-US" sz="1000" dirty="0">
+              <a:rPr lang="en-US" sz="1050" dirty="0">
                 <a:solidFill>
                   <a:srgbClr val="A9B7C6"/>
                 </a:solidFill>
@@ -17495,7 +18541,7 @@
               <a:t>) </a:t>
             </a:r>
             <a:r>
-              <a:rPr lang="en-US" sz="1000" dirty="0">
+              <a:rPr lang="en-US" sz="1050" dirty="0">
                 <a:solidFill>
                   <a:srgbClr val="CC7833"/>
                 </a:solidFill>
@@ -17506,7 +18552,7 @@
               <a:t>do </a:t>
             </a:r>
             <a:r>
-              <a:rPr lang="en-US" sz="1000" dirty="0">
+              <a:rPr lang="en-US" sz="1050" dirty="0">
                 <a:solidFill>
                   <a:srgbClr val="A9B7C6"/>
                 </a:solidFill>
@@ -17517,7 +18563,7 @@
               <a:t>%&gt;</a:t>
             </a:r>
             <a:br>
-              <a:rPr lang="en-US" sz="1000" dirty="0">
+              <a:rPr lang="en-US" sz="1050" dirty="0">
                 <a:solidFill>
                   <a:srgbClr val="A9B7C6"/>
                 </a:solidFill>
@@ -17527,7 +18573,7 @@
               </a:rPr>
             </a:br>
             <a:r>
-              <a:rPr lang="en-US" sz="1000" dirty="0">
+              <a:rPr lang="en-US" sz="1050" dirty="0">
                 <a:solidFill>
                   <a:srgbClr val="A9B7C6"/>
                 </a:solidFill>
@@ -17538,7 +18584,7 @@
               <a:t>      </a:t>
             </a:r>
             <a:r>
-              <a:rPr lang="en-US" sz="1000" dirty="0">
+              <a:rPr lang="en-US" sz="1050" dirty="0">
                 <a:solidFill>
                   <a:srgbClr val="E8BF6A"/>
                 </a:solidFill>
@@ -17549,7 +18595,7 @@
               <a:t>&lt;div&gt;</a:t>
             </a:r>
             <a:br>
-              <a:rPr lang="en-US" sz="1000" dirty="0">
+              <a:rPr lang="en-US" sz="1050" dirty="0">
                 <a:solidFill>
                   <a:srgbClr val="E8BF6A"/>
                 </a:solidFill>
@@ -17559,7 +18605,7 @@
               </a:rPr>
             </a:br>
             <a:r>
-              <a:rPr lang="en-US" sz="1000" dirty="0">
+              <a:rPr lang="en-US" sz="1050" dirty="0">
                 <a:solidFill>
                   <a:srgbClr val="E8BF6A"/>
                 </a:solidFill>
@@ -17570,7 +18616,7 @@
               <a:t>         &lt;h3&gt;</a:t>
             </a:r>
             <a:r>
-              <a:rPr lang="en-US" sz="1000" dirty="0">
+              <a:rPr lang="en-US" sz="1050" dirty="0">
                 <a:solidFill>
                   <a:srgbClr val="A9B7C6"/>
                 </a:solidFill>
@@ -17581,7 +18627,7 @@
               <a:t>Submit JSON</a:t>
             </a:r>
             <a:r>
-              <a:rPr lang="en-US" sz="1000" dirty="0">
+              <a:rPr lang="en-US" sz="1050" dirty="0">
                 <a:solidFill>
                   <a:srgbClr val="E8BF6A"/>
                 </a:solidFill>
@@ -17592,7 +18638,7 @@
               <a:t>&lt;/h3&gt;</a:t>
             </a:r>
             <a:br>
-              <a:rPr lang="en-US" sz="1000" dirty="0">
+              <a:rPr lang="en-US" sz="1050" dirty="0">
                 <a:solidFill>
                   <a:srgbClr val="E8BF6A"/>
                 </a:solidFill>
@@ -17602,7 +18648,7 @@
               </a:rPr>
             </a:br>
             <a:r>
-              <a:rPr lang="en-US" sz="1000" dirty="0">
+              <a:rPr lang="en-US" sz="1050" dirty="0">
                 <a:solidFill>
                   <a:srgbClr val="E8BF6A"/>
                 </a:solidFill>
@@ -17613,7 +18659,7 @@
               <a:t>         &lt;p&gt;</a:t>
             </a:r>
             <a:br>
-              <a:rPr lang="en-US" sz="1000" dirty="0">
+              <a:rPr lang="en-US" sz="1050" dirty="0">
                 <a:solidFill>
                   <a:srgbClr val="E8BF6A"/>
                 </a:solidFill>
@@ -17623,7 +18669,7 @@
               </a:rPr>
             </a:br>
             <a:r>
-              <a:rPr lang="en-US" sz="1000" dirty="0">
+              <a:rPr lang="en-US" sz="1050" dirty="0">
                 <a:solidFill>
                   <a:srgbClr val="E8BF6A"/>
                 </a:solidFill>
@@ -17634,7 +18680,7 @@
               <a:t>            </a:t>
             </a:r>
             <a:r>
-              <a:rPr lang="en-US" sz="1000" dirty="0">
+              <a:rPr lang="en-US" sz="1050" dirty="0">
                 <a:solidFill>
                   <a:srgbClr val="A9B7C6"/>
                 </a:solidFill>
@@ -17645,7 +18691,7 @@
               <a:t>Paste or type JSON, choose options, and click Submit.</a:t>
             </a:r>
             <a:br>
-              <a:rPr lang="en-US" sz="1000" dirty="0">
+              <a:rPr lang="en-US" sz="1050" dirty="0">
                 <a:solidFill>
                   <a:srgbClr val="A9B7C6"/>
                 </a:solidFill>
@@ -17655,7 +18701,7 @@
               </a:rPr>
             </a:br>
             <a:r>
-              <a:rPr lang="en-US" sz="1000" dirty="0">
+              <a:rPr lang="en-US" sz="1050" dirty="0">
                 <a:solidFill>
                   <a:srgbClr val="A9B7C6"/>
                 </a:solidFill>
@@ -17666,7 +18712,7 @@
               <a:t>            Valid ISO 19115-2 XML should be generated. </a:t>
             </a:r>
             <a:r>
-              <a:rPr lang="en-US" sz="1000" dirty="0">
+              <a:rPr lang="en-US" sz="1050" dirty="0">
                 <a:solidFill>
                   <a:srgbClr val="E8BF6A"/>
                 </a:solidFill>
@@ -17677,7 +18723,7 @@
               <a:t>&lt;</a:t>
             </a:r>
             <a:r>
-              <a:rPr lang="en-US" sz="1000" dirty="0" err="1">
+              <a:rPr lang="en-US" sz="1050" dirty="0" err="1">
                 <a:solidFill>
                   <a:srgbClr val="E8BF6A"/>
                 </a:solidFill>
@@ -17688,7 +18734,7 @@
               <a:t>br</a:t>
             </a:r>
             <a:r>
-              <a:rPr lang="en-US" sz="1000" dirty="0">
+              <a:rPr lang="en-US" sz="1050" dirty="0">
                 <a:solidFill>
                   <a:srgbClr val="E8BF6A"/>
                 </a:solidFill>
@@ -17699,7 +18745,7 @@
               <a:t>&gt;</a:t>
             </a:r>
             <a:br>
-              <a:rPr lang="en-US" sz="1000" dirty="0">
+              <a:rPr lang="en-US" sz="1050" dirty="0">
                 <a:solidFill>
                   <a:srgbClr val="E8BF6A"/>
                 </a:solidFill>
@@ -17709,7 +18755,7 @@
               </a:rPr>
             </a:br>
             <a:r>
-              <a:rPr lang="en-US" sz="1000" dirty="0">
+              <a:rPr lang="en-US" sz="1050" dirty="0">
                 <a:solidFill>
                   <a:srgbClr val="E8BF6A"/>
                 </a:solidFill>
@@ -17720,7 +18766,7 @@
               <a:t>         &lt;/p&gt;</a:t>
             </a:r>
             <a:br>
-              <a:rPr lang="en-US" sz="1000" dirty="0">
+              <a:rPr lang="en-US" sz="1050" dirty="0">
                 <a:solidFill>
                   <a:srgbClr val="E8BF6A"/>
                 </a:solidFill>
@@ -17730,7 +18776,7 @@
               </a:rPr>
             </a:br>
             <a:r>
-              <a:rPr lang="en-US" sz="1000" dirty="0">
+              <a:rPr lang="en-US" sz="1050" dirty="0">
                 <a:solidFill>
                   <a:srgbClr val="E8BF6A"/>
                 </a:solidFill>
@@ -17741,7 +18787,7 @@
               <a:t/>
             </a:r>
             <a:br>
-              <a:rPr lang="en-US" sz="1000" dirty="0">
+              <a:rPr lang="en-US" sz="1050" dirty="0">
                 <a:solidFill>
                   <a:srgbClr val="E8BF6A"/>
                 </a:solidFill>
@@ -17751,7 +18797,7 @@
               </a:rPr>
             </a:br>
             <a:r>
-              <a:rPr lang="en-US" sz="1000" dirty="0">
+              <a:rPr lang="en-US" sz="1050" dirty="0">
                 <a:solidFill>
                   <a:srgbClr val="E8BF6A"/>
                 </a:solidFill>
@@ -17762,7 +18808,7 @@
               <a:t>         &lt;div&gt;</a:t>
             </a:r>
             <a:br>
-              <a:rPr lang="en-US" sz="1000" dirty="0">
+              <a:rPr lang="en-US" sz="1050" dirty="0">
                 <a:solidFill>
                   <a:srgbClr val="E8BF6A"/>
                 </a:solidFill>
@@ -17772,7 +18818,7 @@
               </a:rPr>
             </a:br>
             <a:r>
-              <a:rPr lang="en-US" sz="1000" dirty="0">
+              <a:rPr lang="en-US" sz="1050" dirty="0">
                 <a:solidFill>
                   <a:srgbClr val="E8BF6A"/>
                 </a:solidFill>
@@ -17783,7 +18829,7 @@
               <a:t>            &lt;</a:t>
             </a:r>
             <a:r>
-              <a:rPr lang="en-US" sz="1000" dirty="0" err="1">
+              <a:rPr lang="en-US" sz="1050" dirty="0" err="1">
                 <a:solidFill>
                   <a:srgbClr val="E8BF6A"/>
                 </a:solidFill>
@@ -17794,7 +18840,7 @@
               <a:t>textarea</a:t>
             </a:r>
             <a:r>
-              <a:rPr lang="en-US" sz="1000" dirty="0">
+              <a:rPr lang="en-US" sz="1050" dirty="0">
                 <a:solidFill>
                   <a:srgbClr val="E8BF6A"/>
                 </a:solidFill>
@@ -17805,7 +18851,7 @@
               <a:t> name=</a:t>
             </a:r>
             <a:r>
-              <a:rPr lang="en-US" sz="1000" dirty="0">
+              <a:rPr lang="en-US" sz="1050" dirty="0">
                 <a:solidFill>
                   <a:srgbClr val="A5C261"/>
                 </a:solidFill>
@@ -17816,7 +18862,7 @@
               <a:t>"file"</a:t>
             </a:r>
             <a:r>
-              <a:rPr lang="en-US" sz="1000" dirty="0">
+              <a:rPr lang="en-US" sz="1050" dirty="0">
                 <a:solidFill>
                   <a:srgbClr val="E8BF6A"/>
                 </a:solidFill>
@@ -17827,7 +18873,7 @@
               <a:t>&gt;</a:t>
             </a:r>
             <a:r>
-              <a:rPr lang="en-US" sz="1000" dirty="0">
+              <a:rPr lang="en-US" sz="1050" dirty="0">
                 <a:solidFill>
                   <a:srgbClr val="A9B7C6"/>
                 </a:solidFill>
@@ -17838,7 +18884,7 @@
               <a:t>Place mdJson here</a:t>
             </a:r>
             <a:r>
-              <a:rPr lang="en-US" sz="1000" dirty="0">
+              <a:rPr lang="en-US" sz="1050" dirty="0">
                 <a:solidFill>
                   <a:srgbClr val="E8BF6A"/>
                 </a:solidFill>
@@ -17849,7 +18895,7 @@
               <a:t>&lt;/</a:t>
             </a:r>
             <a:r>
-              <a:rPr lang="en-US" sz="1000" dirty="0" err="1">
+              <a:rPr lang="en-US" sz="1050" dirty="0" err="1">
                 <a:solidFill>
                   <a:srgbClr val="E8BF6A"/>
                 </a:solidFill>
@@ -17860,7 +18906,7 @@
               <a:t>textarea</a:t>
             </a:r>
             <a:r>
-              <a:rPr lang="en-US" sz="1000" dirty="0">
+              <a:rPr lang="en-US" sz="1050" dirty="0">
                 <a:solidFill>
                   <a:srgbClr val="E8BF6A"/>
                 </a:solidFill>
@@ -17871,7 +18917,7 @@
               <a:t>&gt;</a:t>
             </a:r>
             <a:br>
-              <a:rPr lang="en-US" sz="1000" dirty="0">
+              <a:rPr lang="en-US" sz="1050" dirty="0">
                 <a:solidFill>
                   <a:srgbClr val="E8BF6A"/>
                 </a:solidFill>
@@ -17881,7 +18927,7 @@
               </a:rPr>
             </a:br>
             <a:r>
-              <a:rPr lang="en-US" sz="1000" dirty="0">
+              <a:rPr lang="en-US" sz="1050" dirty="0">
                 <a:solidFill>
                   <a:srgbClr val="E8BF6A"/>
                 </a:solidFill>
@@ -17892,7 +18938,7 @@
               <a:t>         &lt;/div&gt;</a:t>
             </a:r>
             <a:br>
-              <a:rPr lang="en-US" sz="1000" dirty="0">
+              <a:rPr lang="en-US" sz="1050" dirty="0">
                 <a:solidFill>
                   <a:srgbClr val="E8BF6A"/>
                 </a:solidFill>
@@ -17902,7 +18948,7 @@
               </a:rPr>
             </a:br>
             <a:r>
-              <a:rPr lang="en-US" sz="1000" dirty="0">
+              <a:rPr lang="en-US" sz="1050" dirty="0">
                 <a:solidFill>
                   <a:srgbClr val="E8BF6A"/>
                 </a:solidFill>
@@ -17913,7 +18959,7 @@
               <a:t>      &lt;/div&gt;</a:t>
             </a:r>
             <a:br>
-              <a:rPr lang="en-US" sz="1000" dirty="0">
+              <a:rPr lang="en-US" sz="1050" dirty="0">
                 <a:solidFill>
                   <a:srgbClr val="E8BF6A"/>
                 </a:solidFill>
@@ -17923,7 +18969,7 @@
               </a:rPr>
             </a:br>
             <a:r>
-              <a:rPr lang="en-US" sz="1000" dirty="0">
+              <a:rPr lang="en-US" sz="1050" dirty="0">
                 <a:solidFill>
                   <a:srgbClr val="E8BF6A"/>
                 </a:solidFill>
@@ -17934,7 +18980,7 @@
               <a:t/>
             </a:r>
             <a:br>
-              <a:rPr lang="en-US" sz="1000" dirty="0">
+              <a:rPr lang="en-US" sz="1050" dirty="0">
                 <a:solidFill>
                   <a:srgbClr val="E8BF6A"/>
                 </a:solidFill>
@@ -17944,7 +18990,7 @@
               </a:rPr>
             </a:br>
             <a:r>
-              <a:rPr lang="en-US" sz="1000" dirty="0">
+              <a:rPr lang="en-US" sz="1050" dirty="0">
                 <a:solidFill>
                   <a:srgbClr val="E8BF6A"/>
                 </a:solidFill>
@@ -17955,7 +19001,7 @@
               <a:t>      &lt;div class=</a:t>
             </a:r>
             <a:r>
-              <a:rPr lang="en-US" sz="1000" dirty="0">
+              <a:rPr lang="en-US" sz="1050" dirty="0">
                 <a:solidFill>
                   <a:srgbClr val="A5C261"/>
                 </a:solidFill>
@@ -17966,7 +19012,7 @@
               <a:t>"buttons"</a:t>
             </a:r>
             <a:r>
-              <a:rPr lang="en-US" sz="1000" dirty="0">
+              <a:rPr lang="en-US" sz="1050" dirty="0">
                 <a:solidFill>
                   <a:srgbClr val="E8BF6A"/>
                 </a:solidFill>
@@ -17977,7 +19023,7 @@
               <a:t>&gt;</a:t>
             </a:r>
             <a:br>
-              <a:rPr lang="en-US" sz="1000" dirty="0">
+              <a:rPr lang="en-US" sz="1050" dirty="0">
                 <a:solidFill>
                   <a:srgbClr val="E8BF6A"/>
                 </a:solidFill>
@@ -17987,7 +19033,7 @@
               </a:rPr>
             </a:br>
             <a:r>
-              <a:rPr lang="en-US" sz="1000" dirty="0">
+              <a:rPr lang="en-US" sz="1050" dirty="0">
                 <a:solidFill>
                   <a:srgbClr val="E8BF6A"/>
                 </a:solidFill>
@@ -17998,7 +19044,7 @@
               <a:t>         &lt;input type=</a:t>
             </a:r>
             <a:r>
-              <a:rPr lang="en-US" sz="1000" dirty="0">
+              <a:rPr lang="en-US" sz="1050" dirty="0">
                 <a:solidFill>
                   <a:srgbClr val="A5C261"/>
                 </a:solidFill>
@@ -18009,7 +19055,7 @@
               <a:t>"hidden" </a:t>
             </a:r>
             <a:r>
-              <a:rPr lang="en-US" sz="1000" dirty="0">
+              <a:rPr lang="en-US" sz="1050" dirty="0">
                 <a:solidFill>
                   <a:srgbClr val="E8BF6A"/>
                 </a:solidFill>
@@ -18020,7 +19066,7 @@
               <a:t>name=</a:t>
             </a:r>
             <a:r>
-              <a:rPr lang="en-US" sz="1000" dirty="0">
+              <a:rPr lang="en-US" sz="1050" dirty="0">
                 <a:solidFill>
                   <a:srgbClr val="A5C261"/>
                 </a:solidFill>
@@ -18031,7 +19077,7 @@
               <a:t>"</a:t>
             </a:r>
             <a:r>
-              <a:rPr lang="en-US" sz="1000" dirty="0" err="1">
+              <a:rPr lang="en-US" sz="1050" dirty="0" err="1">
                 <a:solidFill>
                   <a:srgbClr val="A5C261"/>
                 </a:solidFill>
@@ -18042,7 +19088,7 @@
               <a:t>form_id</a:t>
             </a:r>
             <a:r>
-              <a:rPr lang="en-US" sz="1000" dirty="0">
+              <a:rPr lang="en-US" sz="1050" dirty="0">
                 <a:solidFill>
                   <a:srgbClr val="A5C261"/>
                 </a:solidFill>
@@ -18053,7 +19099,7 @@
               <a:t>" </a:t>
             </a:r>
             <a:r>
-              <a:rPr lang="en-US" sz="1000" dirty="0">
+              <a:rPr lang="en-US" sz="1050" dirty="0">
                 <a:solidFill>
                   <a:srgbClr val="E8BF6A"/>
                 </a:solidFill>
@@ -18064,7 +19110,7 @@
               <a:t>value=</a:t>
             </a:r>
             <a:r>
-              <a:rPr lang="en-US" sz="1000" dirty="0">
+              <a:rPr lang="en-US" sz="1050" dirty="0">
                 <a:solidFill>
                   <a:srgbClr val="A5C261"/>
                 </a:solidFill>
@@ -18075,7 +19121,7 @@
               <a:t>"759352"</a:t>
             </a:r>
             <a:r>
-              <a:rPr lang="en-US" sz="1000" dirty="0">
+              <a:rPr lang="en-US" sz="1050" dirty="0">
                 <a:solidFill>
                   <a:srgbClr val="E8BF6A"/>
                 </a:solidFill>
@@ -18086,7 +19132,7 @@
               <a:t>/&gt;</a:t>
             </a:r>
             <a:br>
-              <a:rPr lang="en-US" sz="1000" dirty="0">
+              <a:rPr lang="en-US" sz="1050" dirty="0">
                 <a:solidFill>
                   <a:srgbClr val="E8BF6A"/>
                 </a:solidFill>
@@ -18096,7 +19142,7 @@
               </a:rPr>
             </a:br>
             <a:r>
-              <a:rPr lang="en-US" sz="1000" dirty="0">
+              <a:rPr lang="en-US" sz="1050" dirty="0">
                 <a:solidFill>
                   <a:srgbClr val="E8BF6A"/>
                 </a:solidFill>
@@ -18107,7 +19153,7 @@
               <a:t>         &lt;input id=</a:t>
             </a:r>
             <a:r>
-              <a:rPr lang="en-US" sz="1000" dirty="0">
+              <a:rPr lang="en-US" sz="1050" dirty="0">
                 <a:solidFill>
                   <a:srgbClr val="A5C261"/>
                 </a:solidFill>
@@ -18118,7 +19164,7 @@
               <a:t>"</a:t>
             </a:r>
             <a:r>
-              <a:rPr lang="en-US" sz="1000" dirty="0" err="1">
+              <a:rPr lang="en-US" sz="1050" dirty="0" err="1">
                 <a:solidFill>
                   <a:srgbClr val="A5C261"/>
                 </a:solidFill>
@@ -18129,7 +19175,7 @@
               <a:t>saveForm</a:t>
             </a:r>
             <a:r>
-              <a:rPr lang="en-US" sz="1000" dirty="0">
+              <a:rPr lang="en-US" sz="1050" dirty="0">
                 <a:solidFill>
                   <a:srgbClr val="A5C261"/>
                 </a:solidFill>
@@ -18140,7 +19186,7 @@
               <a:t>" </a:t>
             </a:r>
             <a:r>
-              <a:rPr lang="en-US" sz="1000" dirty="0">
+              <a:rPr lang="en-US" sz="1050" dirty="0">
                 <a:solidFill>
                   <a:srgbClr val="E8BF6A"/>
                 </a:solidFill>
@@ -18151,7 +19197,7 @@
               <a:t>class=</a:t>
             </a:r>
             <a:r>
-              <a:rPr lang="en-US" sz="1000" dirty="0">
+              <a:rPr lang="en-US" sz="1050" dirty="0">
                 <a:solidFill>
                   <a:srgbClr val="A5C261"/>
                 </a:solidFill>
@@ -18162,7 +19208,7 @@
               <a:t>"</a:t>
             </a:r>
             <a:r>
-              <a:rPr lang="en-US" sz="1000" dirty="0" err="1">
+              <a:rPr lang="en-US" sz="1050" dirty="0" err="1">
                 <a:solidFill>
                   <a:srgbClr val="A5C261"/>
                 </a:solidFill>
@@ -18173,7 +19219,7 @@
               <a:t>button_text</a:t>
             </a:r>
             <a:r>
-              <a:rPr lang="en-US" sz="1000" dirty="0">
+              <a:rPr lang="en-US" sz="1050" dirty="0">
                 <a:solidFill>
                   <a:srgbClr val="A5C261"/>
                 </a:solidFill>
@@ -18184,7 +19230,7 @@
               <a:t>" </a:t>
             </a:r>
             <a:r>
-              <a:rPr lang="en-US" sz="1000" dirty="0">
+              <a:rPr lang="en-US" sz="1050" dirty="0">
                 <a:solidFill>
                   <a:srgbClr val="E8BF6A"/>
                 </a:solidFill>
@@ -18195,7 +19241,7 @@
               <a:t>type=</a:t>
             </a:r>
             <a:r>
-              <a:rPr lang="en-US" sz="1000" dirty="0">
+              <a:rPr lang="en-US" sz="1050" dirty="0">
                 <a:solidFill>
                   <a:srgbClr val="A5C261"/>
                 </a:solidFill>
@@ -18206,7 +19252,7 @@
               <a:t>"submit" </a:t>
             </a:r>
             <a:br>
-              <a:rPr lang="en-US" sz="1000" dirty="0">
+              <a:rPr lang="en-US" sz="1050" dirty="0">
                 <a:solidFill>
                   <a:srgbClr val="A5C261"/>
                 </a:solidFill>
@@ -18216,7 +19262,7 @@
               </a:rPr>
             </a:br>
             <a:r>
-              <a:rPr lang="en-US" sz="1000" dirty="0">
+              <a:rPr lang="en-US" sz="1050" dirty="0">
                 <a:solidFill>
                   <a:srgbClr val="E8BF6A"/>
                 </a:solidFill>
@@ -18227,7 +19273,7 @@
               <a:t>            name=</a:t>
             </a:r>
             <a:r>
-              <a:rPr lang="en-US" sz="1000" dirty="0">
+              <a:rPr lang="en-US" sz="1050" dirty="0">
                 <a:solidFill>
                   <a:srgbClr val="A5C261"/>
                 </a:solidFill>
@@ -18238,7 +19284,7 @@
               <a:t>"submit" </a:t>
             </a:r>
             <a:r>
-              <a:rPr lang="en-US" sz="1000" dirty="0">
+              <a:rPr lang="en-US" sz="1050" dirty="0">
                 <a:solidFill>
                   <a:srgbClr val="E8BF6A"/>
                 </a:solidFill>
@@ -18249,7 +19295,7 @@
               <a:t>value=</a:t>
             </a:r>
             <a:r>
-              <a:rPr lang="en-US" sz="1000" dirty="0">
+              <a:rPr lang="en-US" sz="1050" dirty="0">
                 <a:solidFill>
                   <a:srgbClr val="A5C261"/>
                 </a:solidFill>
@@ -18260,7 +19306,7 @@
               <a:t>"Submit"</a:t>
             </a:r>
             <a:r>
-              <a:rPr lang="en-US" sz="1000" dirty="0">
+              <a:rPr lang="en-US" sz="1050" dirty="0">
                 <a:solidFill>
                   <a:srgbClr val="E8BF6A"/>
                 </a:solidFill>
@@ -18271,7 +19317,7 @@
               <a:t>/&gt;</a:t>
             </a:r>
             <a:br>
-              <a:rPr lang="en-US" sz="1000" dirty="0">
+              <a:rPr lang="en-US" sz="1050" dirty="0">
                 <a:solidFill>
                   <a:srgbClr val="E8BF6A"/>
                 </a:solidFill>
@@ -18281,7 +19327,7 @@
               </a:rPr>
             </a:br>
             <a:r>
-              <a:rPr lang="en-US" sz="1000" dirty="0">
+              <a:rPr lang="en-US" sz="1050" dirty="0">
                 <a:solidFill>
                   <a:srgbClr val="E8BF6A"/>
                 </a:solidFill>
@@ -18292,7 +19338,7 @@
               <a:t>      &lt;/div&gt;</a:t>
             </a:r>
             <a:br>
-              <a:rPr lang="en-US" sz="1000" dirty="0">
+              <a:rPr lang="en-US" sz="1050" dirty="0">
                 <a:solidFill>
                   <a:srgbClr val="E8BF6A"/>
                 </a:solidFill>
@@ -18302,7 +19348,7 @@
               </a:rPr>
             </a:br>
             <a:r>
-              <a:rPr lang="en-US" sz="1000" dirty="0">
+              <a:rPr lang="en-US" sz="1050" dirty="0">
                 <a:solidFill>
                   <a:srgbClr val="E8BF6A"/>
                 </a:solidFill>
@@ -18313,7 +19359,7 @@
               <a:t/>
             </a:r>
             <a:br>
-              <a:rPr lang="en-US" sz="1000" dirty="0">
+              <a:rPr lang="en-US" sz="1050" dirty="0">
                 <a:solidFill>
                   <a:srgbClr val="E8BF6A"/>
                 </a:solidFill>
@@ -18323,7 +19369,7 @@
               </a:rPr>
             </a:br>
             <a:r>
-              <a:rPr lang="en-US" sz="1000" dirty="0">
+              <a:rPr lang="en-US" sz="1050" dirty="0">
                 <a:solidFill>
                   <a:srgbClr val="E8BF6A"/>
                 </a:solidFill>
@@ -18334,7 +19380,7 @@
               <a:t>      &lt;div&gt;</a:t>
             </a:r>
             <a:br>
-              <a:rPr lang="en-US" sz="1000" dirty="0">
+              <a:rPr lang="en-US" sz="1050" dirty="0">
                 <a:solidFill>
                   <a:srgbClr val="E8BF6A"/>
                 </a:solidFill>
@@ -18344,7 +19390,7 @@
               </a:rPr>
             </a:br>
             <a:r>
-              <a:rPr lang="en-US" sz="1000" dirty="0">
+              <a:rPr lang="en-US" sz="1050" dirty="0">
                 <a:solidFill>
                   <a:srgbClr val="E8BF6A"/>
                 </a:solidFill>
@@ -18355,7 +19401,7 @@
               <a:t>         &lt;p&gt;</a:t>
             </a:r>
             <a:br>
-              <a:rPr lang="en-US" sz="1000" dirty="0">
+              <a:rPr lang="en-US" sz="1050" dirty="0">
                 <a:solidFill>
                   <a:srgbClr val="E8BF6A"/>
                 </a:solidFill>
@@ -18365,7 +19411,7 @@
               </a:rPr>
             </a:br>
             <a:r>
-              <a:rPr lang="en-US" sz="1000" dirty="0">
+              <a:rPr lang="en-US" sz="1050" dirty="0">
                 <a:solidFill>
                   <a:srgbClr val="E8BF6A"/>
                 </a:solidFill>
@@ -18376,7 +19422,7 @@
               <a:t>            </a:t>
             </a:r>
             <a:r>
-              <a:rPr lang="en-US" sz="1000" dirty="0">
+              <a:rPr lang="en-US" sz="1050" dirty="0">
                 <a:solidFill>
                   <a:srgbClr val="A9B7C6"/>
                 </a:solidFill>
@@ -18387,7 +19433,7 @@
               <a:t>For more info visit the</a:t>
             </a:r>
             <a:br>
-              <a:rPr lang="en-US" sz="1000" dirty="0">
+              <a:rPr lang="en-US" sz="1050" dirty="0">
                 <a:solidFill>
                   <a:srgbClr val="A9B7C6"/>
                 </a:solidFill>
@@ -18397,7 +19443,7 @@
               </a:rPr>
             </a:br>
             <a:r>
-              <a:rPr lang="en-US" sz="1000" dirty="0">
+              <a:rPr lang="en-US" sz="1050" dirty="0">
                 <a:solidFill>
                   <a:srgbClr val="A9B7C6"/>
                 </a:solidFill>
@@ -18408,7 +19454,7 @@
               <a:t>            </a:t>
             </a:r>
             <a:r>
-              <a:rPr lang="en-US" sz="1000" dirty="0">
+              <a:rPr lang="en-US" sz="1050" dirty="0">
                 <a:solidFill>
                   <a:srgbClr val="E8BF6A"/>
                 </a:solidFill>
@@ -18419,7 +19465,7 @@
               <a:t>&lt;a </a:t>
             </a:r>
             <a:r>
-              <a:rPr lang="en-US" sz="1000" dirty="0" err="1">
+              <a:rPr lang="en-US" sz="1050" dirty="0" err="1">
                 <a:solidFill>
                   <a:srgbClr val="E8BF6A"/>
                 </a:solidFill>
@@ -18430,7 +19476,7 @@
               <a:t>href</a:t>
             </a:r>
             <a:r>
-              <a:rPr lang="en-US" sz="1000" dirty="0">
+              <a:rPr lang="en-US" sz="1050" dirty="0">
                 <a:solidFill>
                   <a:srgbClr val="E8BF6A"/>
                 </a:solidFill>
@@ -18441,7 +19487,7 @@
               <a:t>=</a:t>
             </a:r>
             <a:r>
-              <a:rPr lang="en-US" sz="1000" dirty="0">
+              <a:rPr lang="en-US" sz="1050" dirty="0">
                 <a:solidFill>
                   <a:srgbClr val="A5C261"/>
                 </a:solidFill>
@@ -18452,7 +19498,7 @@
               <a:t>"http://www.adiwg.org/mdTranslator"</a:t>
             </a:r>
             <a:r>
-              <a:rPr lang="en-US" sz="1000" dirty="0">
+              <a:rPr lang="en-US" sz="1050" dirty="0">
                 <a:solidFill>
                   <a:srgbClr val="E8BF6A"/>
                 </a:solidFill>
@@ -18463,7 +19509,7 @@
               <a:t>&gt;</a:t>
             </a:r>
             <a:r>
-              <a:rPr lang="en-US" sz="1000" dirty="0">
+              <a:rPr lang="en-US" sz="1050" dirty="0">
                 <a:solidFill>
                   <a:srgbClr val="A9B7C6"/>
                 </a:solidFill>
@@ -18474,7 +19520,7 @@
               <a:t>mdTranslator </a:t>
             </a:r>
             <a:br>
-              <a:rPr lang="en-US" sz="1000" dirty="0">
+              <a:rPr lang="en-US" sz="1050" dirty="0">
                 <a:solidFill>
                   <a:srgbClr val="A9B7C6"/>
                 </a:solidFill>
@@ -18484,7 +19530,7 @@
               </a:rPr>
             </a:br>
             <a:r>
-              <a:rPr lang="en-US" sz="1000" dirty="0">
+              <a:rPr lang="en-US" sz="1050" dirty="0">
                 <a:solidFill>
                   <a:srgbClr val="A9B7C6"/>
                 </a:solidFill>
@@ -18495,7 +19541,7 @@
               <a:t>               website</a:t>
             </a:r>
             <a:r>
-              <a:rPr lang="en-US" sz="1000" dirty="0">
+              <a:rPr lang="en-US" sz="1050" dirty="0">
                 <a:solidFill>
                   <a:srgbClr val="E8BF6A"/>
                 </a:solidFill>
@@ -18506,7 +19552,7 @@
               <a:t>&lt;/a&gt;</a:t>
             </a:r>
             <a:r>
-              <a:rPr lang="en-US" sz="1000" dirty="0">
+              <a:rPr lang="en-US" sz="1050" dirty="0">
                 <a:solidFill>
                   <a:srgbClr val="A9B7C6"/>
                 </a:solidFill>
@@ -18517,7 +19563,7 @@
               <a:t>.</a:t>
             </a:r>
             <a:br>
-              <a:rPr lang="en-US" sz="1000" dirty="0">
+              <a:rPr lang="en-US" sz="1050" dirty="0">
                 <a:solidFill>
                   <a:srgbClr val="A9B7C6"/>
                 </a:solidFill>
@@ -18527,7 +19573,7 @@
               </a:rPr>
             </a:br>
             <a:r>
-              <a:rPr lang="en-US" sz="1000" dirty="0">
+              <a:rPr lang="en-US" sz="1050" dirty="0">
                 <a:solidFill>
                   <a:srgbClr val="A9B7C6"/>
                 </a:solidFill>
@@ -18538,7 +19584,7 @@
               <a:t>         </a:t>
             </a:r>
             <a:r>
-              <a:rPr lang="en-US" sz="1000" dirty="0">
+              <a:rPr lang="en-US" sz="1050" dirty="0">
                 <a:solidFill>
                   <a:srgbClr val="E8BF6A"/>
                 </a:solidFill>
@@ -18549,7 +19595,7 @@
               <a:t>&lt;/p&gt;</a:t>
             </a:r>
             <a:br>
-              <a:rPr lang="en-US" sz="1000" dirty="0">
+              <a:rPr lang="en-US" sz="1050" dirty="0">
                 <a:solidFill>
                   <a:srgbClr val="E8BF6A"/>
                 </a:solidFill>
@@ -18559,7 +19605,7 @@
               </a:rPr>
             </a:br>
             <a:r>
-              <a:rPr lang="en-US" sz="1000" dirty="0">
+              <a:rPr lang="en-US" sz="1050" dirty="0">
                 <a:solidFill>
                   <a:srgbClr val="E8BF6A"/>
                 </a:solidFill>
@@ -18570,7 +19616,7 @@
               <a:t>      &lt;/div&gt;</a:t>
             </a:r>
             <a:br>
-              <a:rPr lang="en-US" sz="1000" dirty="0">
+              <a:rPr lang="en-US" sz="1050" dirty="0">
                 <a:solidFill>
                   <a:srgbClr val="E8BF6A"/>
                 </a:solidFill>
@@ -18580,7 +19626,7 @@
               </a:rPr>
             </a:br>
             <a:r>
-              <a:rPr lang="en-US" sz="1000" dirty="0">
+              <a:rPr lang="en-US" sz="1050" dirty="0">
                 <a:solidFill>
                   <a:srgbClr val="E8BF6A"/>
                 </a:solidFill>
@@ -18591,7 +19637,7 @@
               <a:t>   </a:t>
             </a:r>
             <a:r>
-              <a:rPr lang="en-US" sz="1000" b="1" dirty="0">
+              <a:rPr lang="en-US" sz="1050" b="1" dirty="0">
                 <a:solidFill>
                   <a:srgbClr val="A9B7C6"/>
                 </a:solidFill>
@@ -18602,7 +19648,7 @@
               <a:t>&lt;% </a:t>
             </a:r>
             <a:r>
-              <a:rPr lang="en-US" sz="1000" dirty="0">
+              <a:rPr lang="en-US" sz="1050" dirty="0">
                 <a:solidFill>
                   <a:srgbClr val="CC7833"/>
                 </a:solidFill>
@@ -18613,7 +19659,7 @@
               <a:t>end </a:t>
             </a:r>
             <a:r>
-              <a:rPr lang="en-US" sz="1000" dirty="0">
+              <a:rPr lang="en-US" sz="1050" dirty="0">
                 <a:solidFill>
                   <a:srgbClr val="A9B7C6"/>
                 </a:solidFill>
@@ -18624,7 +19670,7 @@
               <a:t>%&gt;</a:t>
             </a:r>
             <a:br>
-              <a:rPr lang="en-US" sz="1000" dirty="0">
+              <a:rPr lang="en-US" sz="1050" dirty="0">
                 <a:solidFill>
                   <a:srgbClr val="A9B7C6"/>
                 </a:solidFill>
@@ -18634,7 +19680,7 @@
               </a:rPr>
             </a:br>
             <a:r>
-              <a:rPr lang="en-US" sz="1000" dirty="0">
+              <a:rPr lang="en-US" sz="1050" dirty="0">
                 <a:solidFill>
                   <a:srgbClr val="E8BF6A"/>
                 </a:solidFill>
@@ -18645,7 +19691,7 @@
               <a:t>&lt;/div</a:t>
             </a:r>
             <a:r>
-              <a:rPr lang="en-US" sz="1000" dirty="0" smtClean="0">
+              <a:rPr lang="en-US" sz="1050" dirty="0" smtClean="0">
                 <a:solidFill>
                   <a:srgbClr val="E8BF6A"/>
                 </a:solidFill>
@@ -18655,7 +19701,7 @@
               </a:rPr>
               <a:t>&gt;</a:t>
             </a:r>
-            <a:endParaRPr lang="en-US" sz="1000" dirty="0">
+            <a:endParaRPr lang="en-US" sz="1050" dirty="0">
               <a:effectLst/>
               <a:latin typeface="Calibri"/>
               <a:ea typeface="Calibri"/>
@@ -18716,7 +19762,15 @@
           <a:bodyPr/>
           <a:lstStyle/>
           <a:p>
-            <a:endParaRPr lang="en-US"/>
+            <a:r>
+              <a:rPr lang="en-US" dirty="0"/>
+              <a:t>mdTranslator on Rails </a:t>
+            </a:r>
+            <a:r>
+              <a:rPr lang="en-US" dirty="0" smtClean="0"/>
+              <a:t>6</a:t>
+            </a:r>
+            <a:endParaRPr lang="en-US" dirty="0"/>
           </a:p>
         </p:txBody>
       </p:sp>
@@ -18743,12 +19797,21 @@
             </a:pPr>
             <a:r>
               <a:rPr lang="en-US" sz="1800" dirty="0"/>
-              <a:t>The updated index looks </a:t>
+              <a:t>The updated index </a:t>
+            </a:r>
+            <a:r>
+              <a:rPr lang="en-US" sz="1800" dirty="0" smtClean="0"/>
+              <a:t>page now looks </a:t>
             </a:r>
             <a:r>
               <a:rPr lang="en-US" sz="1800" dirty="0"/>
-              <a:t>like …</a:t>
-            </a:r>
+              <a:t>like </a:t>
+            </a:r>
+            <a:r>
+              <a:rPr lang="en-US" sz="1800" dirty="0" smtClean="0"/>
+              <a:t>this …</a:t>
+            </a:r>
+            <a:endParaRPr lang="en-US" sz="1800" dirty="0"/>
           </a:p>
           <a:p>
             <a:pPr marL="457200" indent="-457200">
@@ -18785,7 +19848,7 @@
                   </a:srgbClr>
                 </a:solidFill>
               </a:rPr>
-              <a:t>5/4/2015</a:t>
+              <a:t>5/6/2015</a:t>
             </a:fld>
             <a:endParaRPr lang="en-US" dirty="0">
               <a:solidFill>
@@ -18959,7 +20022,15 @@
           <a:bodyPr/>
           <a:lstStyle/>
           <a:p>
-            <a:endParaRPr lang="en-US"/>
+            <a:r>
+              <a:rPr lang="en-US" dirty="0"/>
+              <a:t>mdTranslator on Rails </a:t>
+            </a:r>
+            <a:r>
+              <a:rPr lang="en-US" dirty="0" smtClean="0"/>
+              <a:t>7</a:t>
+            </a:r>
+            <a:endParaRPr lang="en-US" dirty="0"/>
           </a:p>
         </p:txBody>
       </p:sp>
@@ -18986,23 +20057,7 @@
             </a:pPr>
             <a:r>
               <a:rPr lang="en-US" sz="1800" dirty="0"/>
-              <a:t>Click ‘Submit’ and Rails shows </a:t>
-            </a:r>
-            <a:r>
-              <a:rPr lang="en-US" sz="1800" dirty="0"/>
-              <a:t>a ‘Routing </a:t>
-            </a:r>
-            <a:r>
-              <a:rPr lang="en-US" sz="1800" dirty="0"/>
-              <a:t>Error’.  We have not handled the HTTP POST in </a:t>
-            </a:r>
-            <a:r>
-              <a:rPr lang="en-US" sz="1800" dirty="0"/>
-              <a:t>our routing </a:t>
-            </a:r>
-            <a:r>
-              <a:rPr lang="en-US" sz="1800" dirty="0"/>
-              <a:t>or controller.  </a:t>
+              <a:t>Click ‘Submit’ and Rails shows a ‘Routing Error’.  We have not handled the HTTP POST in our routing or controller.  </a:t>
             </a:r>
           </a:p>
         </p:txBody>
@@ -19033,7 +20088,7 @@
                   </a:srgbClr>
                 </a:solidFill>
               </a:rPr>
-              <a:t>5/4/2015</a:t>
+              <a:t>5/6/2015</a:t>
             </a:fld>
             <a:endParaRPr lang="en-US" dirty="0">
               <a:solidFill>
@@ -19131,7 +20186,7 @@
           <p:nvPr/>
         </p:nvPicPr>
         <p:blipFill>
-          <a:blip r:embed="rId2"/>
+          <a:blip r:embed="rId3"/>
           <a:stretch>
             <a:fillRect/>
           </a:stretch>
